--- a/Pool Sim Presentation.pptx
+++ b/Pool Sim Presentation.pptx
@@ -7,13 +7,7 @@
   <p:sldIdLst>
     <p:sldId id="256" r:id="rId2"/>
     <p:sldId id="257" r:id="rId3"/>
-    <p:sldId id="259" r:id="rId4"/>
-    <p:sldId id="261" r:id="rId5"/>
-    <p:sldId id="263" r:id="rId6"/>
-    <p:sldId id="262" r:id="rId7"/>
-    <p:sldId id="264" r:id="rId8"/>
-    <p:sldId id="260" r:id="rId9"/>
-    <p:sldId id="258" r:id="rId10"/>
+    <p:sldId id="258" r:id="rId4"/>
   </p:sldIdLst>
   <p:sldSz cx="12192000" cy="6858000"/>
   <p:notesSz cx="6858000" cy="9144000"/>
@@ -112,11 +106,6 @@
       </a:defRPr>
     </a:lvl9pPr>
   </p:defaultTextStyle>
-  <p:extLst>
-    <p:ext uri="{EFAFB233-063F-42B5-8137-9DF3F51BA10A}">
-      <p15:sldGuideLst xmlns:p15="http://schemas.microsoft.com/office/powerpoint/2012/main"/>
-    </p:ext>
-  </p:extLst>
 </p:presentation>
 </file>
 
@@ -271,7 +260,7 @@
           <a:p>
             <a:fld id="{1ECB5883-038C-4696-8E27-1811E470D6D4}" type="datetime1">
               <a:rPr lang="en-US" smtClean="0"/>
-              <a:t>4/7/2024</a:t>
+              <a:t>2/26/2024</a:t>
             </a:fld>
             <a:endParaRPr lang="en-US"/>
           </a:p>
@@ -472,7 +461,7 @@
           <a:p>
             <a:fld id="{61E8A6D4-154B-4E4D-9001-7A6C328D243E}" type="datetime1">
               <a:rPr lang="en-US" smtClean="0"/>
-              <a:t>4/7/2024</a:t>
+              <a:t>2/26/2024</a:t>
             </a:fld>
             <a:endParaRPr lang="en-US"/>
           </a:p>
@@ -683,7 +672,7 @@
           <a:p>
             <a:fld id="{EF880999-9BD6-4929-BDEC-B84E21C16701}" type="datetime1">
               <a:rPr lang="en-US" smtClean="0"/>
-              <a:t>4/7/2024</a:t>
+              <a:t>2/26/2024</a:t>
             </a:fld>
             <a:endParaRPr lang="en-US"/>
           </a:p>
@@ -884,7 +873,7 @@
           <a:p>
             <a:fld id="{579F6069-8263-4296-913A-BC2234E8D32B}" type="datetime1">
               <a:rPr lang="en-US" smtClean="0"/>
-              <a:t>4/7/2024</a:t>
+              <a:t>2/26/2024</a:t>
             </a:fld>
             <a:endParaRPr lang="en-US"/>
           </a:p>
@@ -1164,7 +1153,7 @@
           <a:p>
             <a:fld id="{BC9F5005-EC25-4FB9-B19B-2437F0B120D2}" type="datetime1">
               <a:rPr lang="en-US" smtClean="0"/>
-              <a:t>4/7/2024</a:t>
+              <a:t>2/26/2024</a:t>
             </a:fld>
             <a:endParaRPr lang="en-US"/>
           </a:p>
@@ -1432,7 +1421,7 @@
           <a:p>
             <a:fld id="{0B283B5C-2325-42FF-AF91-C1451D9D66CC}" type="datetime1">
               <a:rPr lang="en-US" smtClean="0"/>
-              <a:t>4/7/2024</a:t>
+              <a:t>2/26/2024</a:t>
             </a:fld>
             <a:endParaRPr lang="en-US"/>
           </a:p>
@@ -1851,7 +1840,7 @@
           <a:p>
             <a:fld id="{0F88DB08-3B01-46DD-99F2-F6F6334EA669}" type="datetime1">
               <a:rPr lang="en-US" smtClean="0"/>
-              <a:t>4/7/2024</a:t>
+              <a:t>2/26/2024</a:t>
             </a:fld>
             <a:endParaRPr lang="en-US"/>
           </a:p>
@@ -1995,7 +1984,7 @@
           <a:p>
             <a:fld id="{5892AC11-ACC3-4129-BBD7-C580BF1A4EE7}" type="datetime1">
               <a:rPr lang="en-US" smtClean="0"/>
-              <a:t>4/7/2024</a:t>
+              <a:t>2/26/2024</a:t>
             </a:fld>
             <a:endParaRPr lang="en-US"/>
           </a:p>
@@ -2111,7 +2100,7 @@
           <a:p>
             <a:fld id="{6D80F7F3-E406-44E2-93AF-674B3F1A2E51}" type="datetime1">
               <a:rPr lang="en-US" smtClean="0"/>
-              <a:t>4/7/2024</a:t>
+              <a:t>2/26/2024</a:t>
             </a:fld>
             <a:endParaRPr lang="en-US"/>
           </a:p>
@@ -2429,7 +2418,7 @@
           <a:p>
             <a:fld id="{2FB1DD93-7C9D-4E53-81F0-DDE57FEA7EDB}" type="datetime1">
               <a:rPr lang="en-US" smtClean="0"/>
-              <a:t>4/7/2024</a:t>
+              <a:t>2/26/2024</a:t>
             </a:fld>
             <a:endParaRPr lang="en-US"/>
           </a:p>
@@ -2722,7 +2711,7 @@
           <a:p>
             <a:fld id="{3DF7BC28-59DE-4F83-B4A1-497203279FAD}" type="datetime1">
               <a:rPr lang="en-US" smtClean="0"/>
-              <a:t>4/7/2024</a:t>
+              <a:t>2/26/2024</a:t>
             </a:fld>
             <a:endParaRPr lang="en-US"/>
           </a:p>
@@ -3022,7 +3011,7 @@
           <a:p>
             <a:fld id="{0BDC4764-F656-4735-9820-9886F8DF1D6A}" type="datetime1">
               <a:rPr lang="en-US" smtClean="0"/>
-              <a:t>4/7/2024</a:t>
+              <a:t>2/26/2024</a:t>
             </a:fld>
             <a:endParaRPr lang="en-US" dirty="0"/>
           </a:p>
@@ -4975,7 +4964,7 @@
           <p:cNvPr id="2" name="Title 1">
             <a:extLst>
               <a:ext uri="{FF2B5EF4-FFF2-40B4-BE49-F238E27FC236}">
-                <a16:creationId xmlns:a16="http://schemas.microsoft.com/office/drawing/2014/main" id="{60DF1365-7ACB-7876-D8B4-209FDDCFA6FA}"/>
+                <a16:creationId xmlns:a16="http://schemas.microsoft.com/office/drawing/2014/main" id="{55693ABB-89DA-22A3-C27D-D96DAFE4844A}"/>
               </a:ext>
             </a:extLst>
           </p:cNvPr>
@@ -4992,9 +4981,10 @@
           <a:lstStyle/>
           <a:p>
             <a:r>
-              <a:rPr lang="en-GB" dirty="0"/>
-              <a:t>Game Design</a:t>
-            </a:r>
+              <a:rPr lang="en-GB"/>
+              <a:t>The END</a:t>
+            </a:r>
+            <a:endParaRPr lang="en-GB" dirty="0"/>
           </a:p>
         </p:txBody>
       </p:sp>
@@ -5003,7 +4993,7 @@
           <p:cNvPr id="3" name="Content Placeholder 2">
             <a:extLst>
               <a:ext uri="{FF2B5EF4-FFF2-40B4-BE49-F238E27FC236}">
-                <a16:creationId xmlns:a16="http://schemas.microsoft.com/office/drawing/2014/main" id="{8BE01075-1F2E-94E7-C63F-F347F8FC045F}"/>
+                <a16:creationId xmlns:a16="http://schemas.microsoft.com/office/drawing/2014/main" id="{6F6E8425-3188-7380-DB58-CF2EDD415609}"/>
               </a:ext>
             </a:extLst>
           </p:cNvPr>
@@ -5019,43 +5009,7 @@
           <a:bodyPr/>
           <a:lstStyle/>
           <a:p>
-            <a:pPr marL="0" indent="0">
-              <a:buNone/>
-            </a:pPr>
-            <a:r>
-              <a:rPr lang="en-GB" dirty="0"/>
-              <a:t>There are 4 main areas of focus for the program, where all inputs and outputs will be in the rational number set (Q).</a:t>
-            </a:r>
-          </a:p>
-          <a:p>
-            <a:pPr marL="0" indent="0">
-              <a:buNone/>
-            </a:pPr>
-            <a:endParaRPr lang="en-GB" dirty="0"/>
-          </a:p>
-          <a:p>
-            <a:r>
-              <a:rPr lang="en-GB" dirty="0"/>
-              <a:t>Collision</a:t>
-            </a:r>
-          </a:p>
-          <a:p>
-            <a:r>
-              <a:rPr lang="en-GB" dirty="0"/>
-              <a:t>Ball</a:t>
-            </a:r>
-          </a:p>
-          <a:p>
-            <a:r>
-              <a:rPr lang="en-GB" dirty="0"/>
-              <a:t>Cue</a:t>
-            </a:r>
-          </a:p>
-          <a:p>
-            <a:r>
-              <a:rPr lang="en-GB" dirty="0"/>
-              <a:t>Table</a:t>
-            </a:r>
+            <a:endParaRPr lang="en-GB"/>
           </a:p>
         </p:txBody>
       </p:sp>
@@ -5064,7 +5018,7 @@
           <p:cNvPr id="4" name="Date Placeholder 3">
             <a:extLst>
               <a:ext uri="{FF2B5EF4-FFF2-40B4-BE49-F238E27FC236}">
-                <a16:creationId xmlns:a16="http://schemas.microsoft.com/office/drawing/2014/main" id="{34536149-D5D7-69D8-52AC-51366445F1F3}"/>
+                <a16:creationId xmlns:a16="http://schemas.microsoft.com/office/drawing/2014/main" id="{4BC0F897-5776-9127-2D54-7AB84F9DF71C}"/>
               </a:ext>
             </a:extLst>
           </p:cNvPr>
@@ -5082,7 +5036,7 @@
           <a:p>
             <a:fld id="{579F6069-8263-4296-913A-BC2234E8D32B}" type="datetime1">
               <a:rPr lang="en-US" smtClean="0"/>
-              <a:t>4/7/2024</a:t>
+              <a:t>2/26/2024</a:t>
             </a:fld>
             <a:endParaRPr lang="en-US"/>
           </a:p>
@@ -5093,7 +5047,7 @@
           <p:cNvPr id="5" name="Footer Placeholder 4">
             <a:extLst>
               <a:ext uri="{FF2B5EF4-FFF2-40B4-BE49-F238E27FC236}">
-                <a16:creationId xmlns:a16="http://schemas.microsoft.com/office/drawing/2014/main" id="{C815F36D-D301-7560-BBA7-61FF9B66A785}"/>
+                <a16:creationId xmlns:a16="http://schemas.microsoft.com/office/drawing/2014/main" id="{558B3637-33A4-6A87-19E2-D34875DBB6EA}"/>
               </a:ext>
             </a:extLst>
           </p:cNvPr>
@@ -5121,7 +5075,7 @@
           <p:cNvPr id="6" name="Slide Number Placeholder 5">
             <a:extLst>
               <a:ext uri="{FF2B5EF4-FFF2-40B4-BE49-F238E27FC236}">
-                <a16:creationId xmlns:a16="http://schemas.microsoft.com/office/drawing/2014/main" id="{52FCDBE9-071C-CDA7-E211-DD6DEE9ADBF4}"/>
+                <a16:creationId xmlns:a16="http://schemas.microsoft.com/office/drawing/2014/main" id="{7DDC83DF-772D-8ADC-9B91-3B59D95C2CEF}"/>
               </a:ext>
             </a:extLst>
           </p:cNvPr>
@@ -5140,1155 +5094,6 @@
             <a:fld id="{C68AC1EC-23E2-4F0E-A5A4-674EC8DB954E}" type="slidenum">
               <a:rPr lang="en-US" smtClean="0"/>
               <a:t>3</a:t>
-            </a:fld>
-            <a:endParaRPr lang="en-US"/>
-          </a:p>
-        </p:txBody>
-      </p:sp>
-    </p:spTree>
-    <p:extLst>
-      <p:ext uri="{BB962C8B-B14F-4D97-AF65-F5344CB8AC3E}">
-        <p14:creationId xmlns:p14="http://schemas.microsoft.com/office/powerpoint/2010/main" val="2449188719"/>
-      </p:ext>
-    </p:extLst>
-  </p:cSld>
-  <p:clrMapOvr>
-    <a:masterClrMapping/>
-  </p:clrMapOvr>
-</p:sld>
-</file>
-
-<file path=ppt/slides/slide4.xml><?xml version="1.0" encoding="utf-8"?>
-<p:sld xmlns:a="http://schemas.openxmlformats.org/drawingml/2006/main" xmlns:r="http://schemas.openxmlformats.org/officeDocument/2006/relationships" xmlns:p="http://schemas.openxmlformats.org/presentationml/2006/main">
-  <p:cSld>
-    <p:spTree>
-      <p:nvGrpSpPr>
-        <p:cNvPr id="1" name=""/>
-        <p:cNvGrpSpPr/>
-        <p:nvPr/>
-      </p:nvGrpSpPr>
-      <p:grpSpPr>
-        <a:xfrm>
-          <a:off x="0" y="0"/>
-          <a:ext cx="0" cy="0"/>
-          <a:chOff x="0" y="0"/>
-          <a:chExt cx="0" cy="0"/>
-        </a:xfrm>
-      </p:grpSpPr>
-      <p:sp>
-        <p:nvSpPr>
-          <p:cNvPr id="2" name="Title 1">
-            <a:extLst>
-              <a:ext uri="{FF2B5EF4-FFF2-40B4-BE49-F238E27FC236}">
-                <a16:creationId xmlns:a16="http://schemas.microsoft.com/office/drawing/2014/main" id="{900C0927-2565-89F3-6871-4980C2C1C321}"/>
-              </a:ext>
-            </a:extLst>
-          </p:cNvPr>
-          <p:cNvSpPr>
-            <a:spLocks noGrp="1"/>
-          </p:cNvSpPr>
-          <p:nvPr>
-            <p:ph type="title"/>
-          </p:nvPr>
-        </p:nvSpPr>
-        <p:spPr/>
-        <p:txBody>
-          <a:bodyPr/>
-          <a:lstStyle/>
-          <a:p>
-            <a:r>
-              <a:rPr lang="en-GB" dirty="0"/>
-              <a:t>Collision</a:t>
-            </a:r>
-          </a:p>
-        </p:txBody>
-      </p:sp>
-      <p:sp>
-        <p:nvSpPr>
-          <p:cNvPr id="3" name="Content Placeholder 2">
-            <a:extLst>
-              <a:ext uri="{FF2B5EF4-FFF2-40B4-BE49-F238E27FC236}">
-                <a16:creationId xmlns:a16="http://schemas.microsoft.com/office/drawing/2014/main" id="{0935BE85-1C99-C140-ECC9-2B31DECBC698}"/>
-              </a:ext>
-            </a:extLst>
-          </p:cNvPr>
-          <p:cNvSpPr>
-            <a:spLocks noGrp="1"/>
-          </p:cNvSpPr>
-          <p:nvPr>
-            <p:ph idx="1"/>
-          </p:nvPr>
-        </p:nvSpPr>
-        <p:spPr/>
-        <p:txBody>
-          <a:bodyPr/>
-          <a:lstStyle/>
-          <a:p>
-            <a:pPr marL="0" indent="0">
-              <a:buNone/>
-            </a:pPr>
-            <a:r>
-              <a:rPr lang="en-GB" dirty="0"/>
-              <a:t>This will be the biggest part where all the calculations will have to be made.</a:t>
-            </a:r>
-          </a:p>
-          <a:p>
-            <a:r>
-              <a:rPr lang="en-GB" dirty="0"/>
-              <a:t>It will detect every frame if there is any collisions.</a:t>
-            </a:r>
-          </a:p>
-          <a:p>
-            <a:r>
-              <a:rPr lang="en-GB" dirty="0"/>
-              <a:t>If there are, it will run a calculation for both balls and react accordingly with the correct angle and velocity.</a:t>
-            </a:r>
-          </a:p>
-          <a:p>
-            <a:r>
-              <a:rPr lang="en-GB" dirty="0"/>
-              <a:t>There also will be a collision for the pots at the table sides, so that the balls will disappear.</a:t>
-            </a:r>
-          </a:p>
-          <a:p>
-            <a:r>
-              <a:rPr lang="en-GB" dirty="0"/>
-              <a:t>The table edges will also bounce the balls away from them.</a:t>
-            </a:r>
-          </a:p>
-          <a:p>
-            <a:pPr marL="0" indent="0">
-              <a:buNone/>
-            </a:pPr>
-            <a:endParaRPr lang="en-GB" dirty="0"/>
-          </a:p>
-          <a:p>
-            <a:pPr marL="0" indent="0">
-              <a:buNone/>
-            </a:pPr>
-            <a:endParaRPr lang="en-GB" dirty="0"/>
-          </a:p>
-          <a:p>
-            <a:pPr marL="0" indent="0">
-              <a:buNone/>
-            </a:pPr>
-            <a:r>
-              <a:rPr lang="en-GB" dirty="0"/>
-              <a:t>This satisfies</a:t>
-            </a:r>
-          </a:p>
-        </p:txBody>
-      </p:sp>
-      <p:sp>
-        <p:nvSpPr>
-          <p:cNvPr id="4" name="Date Placeholder 3">
-            <a:extLst>
-              <a:ext uri="{FF2B5EF4-FFF2-40B4-BE49-F238E27FC236}">
-                <a16:creationId xmlns:a16="http://schemas.microsoft.com/office/drawing/2014/main" id="{FB00FFF5-ED76-1A1E-2824-C8992E9F04AF}"/>
-              </a:ext>
-            </a:extLst>
-          </p:cNvPr>
-          <p:cNvSpPr>
-            <a:spLocks noGrp="1"/>
-          </p:cNvSpPr>
-          <p:nvPr>
-            <p:ph type="dt" sz="half" idx="10"/>
-          </p:nvPr>
-        </p:nvSpPr>
-        <p:spPr/>
-        <p:txBody>
-          <a:bodyPr/>
-          <a:lstStyle/>
-          <a:p>
-            <a:fld id="{579F6069-8263-4296-913A-BC2234E8D32B}" type="datetime1">
-              <a:rPr lang="en-US" smtClean="0"/>
-              <a:t>4/7/2024</a:t>
-            </a:fld>
-            <a:endParaRPr lang="en-US"/>
-          </a:p>
-        </p:txBody>
-      </p:sp>
-      <p:sp>
-        <p:nvSpPr>
-          <p:cNvPr id="5" name="Footer Placeholder 4">
-            <a:extLst>
-              <a:ext uri="{FF2B5EF4-FFF2-40B4-BE49-F238E27FC236}">
-                <a16:creationId xmlns:a16="http://schemas.microsoft.com/office/drawing/2014/main" id="{7554F5E2-87BF-6A6A-A245-7F0B96BB48E4}"/>
-              </a:ext>
-            </a:extLst>
-          </p:cNvPr>
-          <p:cNvSpPr>
-            <a:spLocks noGrp="1"/>
-          </p:cNvSpPr>
-          <p:nvPr>
-            <p:ph type="ftr" sz="quarter" idx="11"/>
-          </p:nvPr>
-        </p:nvSpPr>
-        <p:spPr/>
-        <p:txBody>
-          <a:bodyPr/>
-          <a:lstStyle/>
-          <a:p>
-            <a:r>
-              <a:rPr lang="en-US"/>
-              <a:t>Sample Footer Text</a:t>
-            </a:r>
-          </a:p>
-        </p:txBody>
-      </p:sp>
-      <p:sp>
-        <p:nvSpPr>
-          <p:cNvPr id="6" name="Slide Number Placeholder 5">
-            <a:extLst>
-              <a:ext uri="{FF2B5EF4-FFF2-40B4-BE49-F238E27FC236}">
-                <a16:creationId xmlns:a16="http://schemas.microsoft.com/office/drawing/2014/main" id="{07628017-203E-9AF4-C864-6E4A4B750608}"/>
-              </a:ext>
-            </a:extLst>
-          </p:cNvPr>
-          <p:cNvSpPr>
-            <a:spLocks noGrp="1"/>
-          </p:cNvSpPr>
-          <p:nvPr>
-            <p:ph type="sldNum" sz="quarter" idx="12"/>
-          </p:nvPr>
-        </p:nvSpPr>
-        <p:spPr/>
-        <p:txBody>
-          <a:bodyPr/>
-          <a:lstStyle/>
-          <a:p>
-            <a:fld id="{C68AC1EC-23E2-4F0E-A5A4-674EC8DB954E}" type="slidenum">
-              <a:rPr lang="en-US" smtClean="0"/>
-              <a:t>4</a:t>
-            </a:fld>
-            <a:endParaRPr lang="en-US"/>
-          </a:p>
-        </p:txBody>
-      </p:sp>
-    </p:spTree>
-    <p:extLst>
-      <p:ext uri="{BB962C8B-B14F-4D97-AF65-F5344CB8AC3E}">
-        <p14:creationId xmlns:p14="http://schemas.microsoft.com/office/powerpoint/2010/main" val="597115573"/>
-      </p:ext>
-    </p:extLst>
-  </p:cSld>
-  <p:clrMapOvr>
-    <a:masterClrMapping/>
-  </p:clrMapOvr>
-</p:sld>
-</file>
-
-<file path=ppt/slides/slide5.xml><?xml version="1.0" encoding="utf-8"?>
-<p:sld xmlns:a="http://schemas.openxmlformats.org/drawingml/2006/main" xmlns:r="http://schemas.openxmlformats.org/officeDocument/2006/relationships" xmlns:p="http://schemas.openxmlformats.org/presentationml/2006/main">
-  <p:cSld>
-    <p:spTree>
-      <p:nvGrpSpPr>
-        <p:cNvPr id="1" name=""/>
-        <p:cNvGrpSpPr/>
-        <p:nvPr/>
-      </p:nvGrpSpPr>
-      <p:grpSpPr>
-        <a:xfrm>
-          <a:off x="0" y="0"/>
-          <a:ext cx="0" cy="0"/>
-          <a:chOff x="0" y="0"/>
-          <a:chExt cx="0" cy="0"/>
-        </a:xfrm>
-      </p:grpSpPr>
-      <p:sp>
-        <p:nvSpPr>
-          <p:cNvPr id="2" name="Title 1">
-            <a:extLst>
-              <a:ext uri="{FF2B5EF4-FFF2-40B4-BE49-F238E27FC236}">
-                <a16:creationId xmlns:a16="http://schemas.microsoft.com/office/drawing/2014/main" id="{723561D8-E5B5-1DFE-6D14-A8D8596CD207}"/>
-              </a:ext>
-            </a:extLst>
-          </p:cNvPr>
-          <p:cNvSpPr>
-            <a:spLocks noGrp="1"/>
-          </p:cNvSpPr>
-          <p:nvPr>
-            <p:ph type="title"/>
-          </p:nvPr>
-        </p:nvSpPr>
-        <p:spPr/>
-        <p:txBody>
-          <a:bodyPr/>
-          <a:lstStyle/>
-          <a:p>
-            <a:r>
-              <a:rPr lang="en-GB" dirty="0"/>
-              <a:t>Cue</a:t>
-            </a:r>
-          </a:p>
-        </p:txBody>
-      </p:sp>
-      <p:sp>
-        <p:nvSpPr>
-          <p:cNvPr id="3" name="Content Placeholder 2">
-            <a:extLst>
-              <a:ext uri="{FF2B5EF4-FFF2-40B4-BE49-F238E27FC236}">
-                <a16:creationId xmlns:a16="http://schemas.microsoft.com/office/drawing/2014/main" id="{0AD3DB26-DAAA-8AAC-2C7D-94B5027ADF1D}"/>
-              </a:ext>
-            </a:extLst>
-          </p:cNvPr>
-          <p:cNvSpPr>
-            <a:spLocks noGrp="1"/>
-          </p:cNvSpPr>
-          <p:nvPr>
-            <p:ph idx="1"/>
-          </p:nvPr>
-        </p:nvSpPr>
-        <p:spPr/>
-        <p:txBody>
-          <a:bodyPr/>
-          <a:lstStyle/>
-          <a:p>
-            <a:pPr marL="0" indent="0">
-              <a:buNone/>
-            </a:pPr>
-            <a:r>
-              <a:rPr lang="en-GB" dirty="0"/>
-              <a:t>The cue will appear on the white ball, to show the user where they are going to shoot the ball and how much power they will give the ball.</a:t>
-            </a:r>
-          </a:p>
-          <a:p>
-            <a:pPr marL="0" indent="0">
-              <a:buNone/>
-            </a:pPr>
-            <a:r>
-              <a:rPr lang="en-GB" dirty="0"/>
-              <a:t>It will appear only when all the balls are stationary.</a:t>
-            </a:r>
-          </a:p>
-          <a:p>
-            <a:pPr marL="0" indent="0">
-              <a:buNone/>
-            </a:pPr>
-            <a:r>
-              <a:rPr lang="en-GB" dirty="0"/>
-              <a:t>It will go up and down a power scale.</a:t>
-            </a:r>
-          </a:p>
-          <a:p>
-            <a:pPr marL="0" indent="0">
-              <a:buNone/>
-            </a:pPr>
-            <a:endParaRPr lang="en-GB" dirty="0"/>
-          </a:p>
-        </p:txBody>
-      </p:sp>
-      <p:sp>
-        <p:nvSpPr>
-          <p:cNvPr id="4" name="Date Placeholder 3">
-            <a:extLst>
-              <a:ext uri="{FF2B5EF4-FFF2-40B4-BE49-F238E27FC236}">
-                <a16:creationId xmlns:a16="http://schemas.microsoft.com/office/drawing/2014/main" id="{C148BC92-108E-5448-2696-8B8EBCEA9538}"/>
-              </a:ext>
-            </a:extLst>
-          </p:cNvPr>
-          <p:cNvSpPr>
-            <a:spLocks noGrp="1"/>
-          </p:cNvSpPr>
-          <p:nvPr>
-            <p:ph type="dt" sz="half" idx="10"/>
-          </p:nvPr>
-        </p:nvSpPr>
-        <p:spPr/>
-        <p:txBody>
-          <a:bodyPr/>
-          <a:lstStyle/>
-          <a:p>
-            <a:fld id="{579F6069-8263-4296-913A-BC2234E8D32B}" type="datetime1">
-              <a:rPr lang="en-US" smtClean="0"/>
-              <a:t>4/7/2024</a:t>
-            </a:fld>
-            <a:endParaRPr lang="en-US"/>
-          </a:p>
-        </p:txBody>
-      </p:sp>
-      <p:sp>
-        <p:nvSpPr>
-          <p:cNvPr id="5" name="Footer Placeholder 4">
-            <a:extLst>
-              <a:ext uri="{FF2B5EF4-FFF2-40B4-BE49-F238E27FC236}">
-                <a16:creationId xmlns:a16="http://schemas.microsoft.com/office/drawing/2014/main" id="{3C80ED2C-2B1B-3E24-759C-DD9C45016286}"/>
-              </a:ext>
-            </a:extLst>
-          </p:cNvPr>
-          <p:cNvSpPr>
-            <a:spLocks noGrp="1"/>
-          </p:cNvSpPr>
-          <p:nvPr>
-            <p:ph type="ftr" sz="quarter" idx="11"/>
-          </p:nvPr>
-        </p:nvSpPr>
-        <p:spPr/>
-        <p:txBody>
-          <a:bodyPr/>
-          <a:lstStyle/>
-          <a:p>
-            <a:r>
-              <a:rPr lang="en-US"/>
-              <a:t>Sample Footer Text</a:t>
-            </a:r>
-          </a:p>
-        </p:txBody>
-      </p:sp>
-      <p:sp>
-        <p:nvSpPr>
-          <p:cNvPr id="6" name="Slide Number Placeholder 5">
-            <a:extLst>
-              <a:ext uri="{FF2B5EF4-FFF2-40B4-BE49-F238E27FC236}">
-                <a16:creationId xmlns:a16="http://schemas.microsoft.com/office/drawing/2014/main" id="{70CE0CD9-4AFB-310C-3851-56596EE32FB8}"/>
-              </a:ext>
-            </a:extLst>
-          </p:cNvPr>
-          <p:cNvSpPr>
-            <a:spLocks noGrp="1"/>
-          </p:cNvSpPr>
-          <p:nvPr>
-            <p:ph type="sldNum" sz="quarter" idx="12"/>
-          </p:nvPr>
-        </p:nvSpPr>
-        <p:spPr/>
-        <p:txBody>
-          <a:bodyPr/>
-          <a:lstStyle/>
-          <a:p>
-            <a:fld id="{C68AC1EC-23E2-4F0E-A5A4-674EC8DB954E}" type="slidenum">
-              <a:rPr lang="en-US" smtClean="0"/>
-              <a:t>5</a:t>
-            </a:fld>
-            <a:endParaRPr lang="en-US"/>
-          </a:p>
-        </p:txBody>
-      </p:sp>
-    </p:spTree>
-    <p:extLst>
-      <p:ext uri="{BB962C8B-B14F-4D97-AF65-F5344CB8AC3E}">
-        <p14:creationId xmlns:p14="http://schemas.microsoft.com/office/powerpoint/2010/main" val="3195431204"/>
-      </p:ext>
-    </p:extLst>
-  </p:cSld>
-  <p:clrMapOvr>
-    <a:masterClrMapping/>
-  </p:clrMapOvr>
-</p:sld>
-</file>
-
-<file path=ppt/slides/slide6.xml><?xml version="1.0" encoding="utf-8"?>
-<p:sld xmlns:a="http://schemas.openxmlformats.org/drawingml/2006/main" xmlns:r="http://schemas.openxmlformats.org/officeDocument/2006/relationships" xmlns:p="http://schemas.openxmlformats.org/presentationml/2006/main">
-  <p:cSld>
-    <p:spTree>
-      <p:nvGrpSpPr>
-        <p:cNvPr id="1" name=""/>
-        <p:cNvGrpSpPr/>
-        <p:nvPr/>
-      </p:nvGrpSpPr>
-      <p:grpSpPr>
-        <a:xfrm>
-          <a:off x="0" y="0"/>
-          <a:ext cx="0" cy="0"/>
-          <a:chOff x="0" y="0"/>
-          <a:chExt cx="0" cy="0"/>
-        </a:xfrm>
-      </p:grpSpPr>
-      <p:sp>
-        <p:nvSpPr>
-          <p:cNvPr id="2" name="Title 1">
-            <a:extLst>
-              <a:ext uri="{FF2B5EF4-FFF2-40B4-BE49-F238E27FC236}">
-                <a16:creationId xmlns:a16="http://schemas.microsoft.com/office/drawing/2014/main" id="{FD4A4F00-F09C-8E7F-D149-8C86CCA35041}"/>
-              </a:ext>
-            </a:extLst>
-          </p:cNvPr>
-          <p:cNvSpPr>
-            <a:spLocks noGrp="1"/>
-          </p:cNvSpPr>
-          <p:nvPr>
-            <p:ph type="title"/>
-          </p:nvPr>
-        </p:nvSpPr>
-        <p:spPr/>
-        <p:txBody>
-          <a:bodyPr/>
-          <a:lstStyle/>
-          <a:p>
-            <a:r>
-              <a:rPr lang="en-GB" dirty="0"/>
-              <a:t>Ball</a:t>
-            </a:r>
-          </a:p>
-        </p:txBody>
-      </p:sp>
-      <p:sp>
-        <p:nvSpPr>
-          <p:cNvPr id="3" name="Content Placeholder 2">
-            <a:extLst>
-              <a:ext uri="{FF2B5EF4-FFF2-40B4-BE49-F238E27FC236}">
-                <a16:creationId xmlns:a16="http://schemas.microsoft.com/office/drawing/2014/main" id="{F66CD598-A77A-686F-1B72-95ACBC2FA65D}"/>
-              </a:ext>
-            </a:extLst>
-          </p:cNvPr>
-          <p:cNvSpPr>
-            <a:spLocks noGrp="1"/>
-          </p:cNvSpPr>
-          <p:nvPr>
-            <p:ph idx="1"/>
-          </p:nvPr>
-        </p:nvSpPr>
-        <p:spPr/>
-        <p:txBody>
-          <a:bodyPr/>
-          <a:lstStyle/>
-          <a:p>
-            <a:pPr marL="0" indent="0">
-              <a:buNone/>
-            </a:pPr>
-            <a:r>
-              <a:rPr lang="en-GB" dirty="0"/>
-              <a:t>The ball class will store functions to help with movement (such as coordinates and velocity), but will also have a function to change the velocity and direction of the ball as well.</a:t>
-            </a:r>
-          </a:p>
-          <a:p>
-            <a:pPr marL="0" indent="0">
-              <a:buNone/>
-            </a:pPr>
-            <a:endParaRPr lang="en-GB" dirty="0"/>
-          </a:p>
-          <a:p>
-            <a:pPr marL="0" indent="0">
-              <a:buNone/>
-            </a:pPr>
-            <a:r>
-              <a:rPr lang="en-GB" dirty="0"/>
-              <a:t>This satisfies the projectile motion aspect of the project.</a:t>
-            </a:r>
-          </a:p>
-        </p:txBody>
-      </p:sp>
-      <p:sp>
-        <p:nvSpPr>
-          <p:cNvPr id="4" name="Date Placeholder 3">
-            <a:extLst>
-              <a:ext uri="{FF2B5EF4-FFF2-40B4-BE49-F238E27FC236}">
-                <a16:creationId xmlns:a16="http://schemas.microsoft.com/office/drawing/2014/main" id="{C818F8C1-B031-FB90-B984-8DB463FDE3D1}"/>
-              </a:ext>
-            </a:extLst>
-          </p:cNvPr>
-          <p:cNvSpPr>
-            <a:spLocks noGrp="1"/>
-          </p:cNvSpPr>
-          <p:nvPr>
-            <p:ph type="dt" sz="half" idx="10"/>
-          </p:nvPr>
-        </p:nvSpPr>
-        <p:spPr/>
-        <p:txBody>
-          <a:bodyPr/>
-          <a:lstStyle/>
-          <a:p>
-            <a:fld id="{579F6069-8263-4296-913A-BC2234E8D32B}" type="datetime1">
-              <a:rPr lang="en-US" smtClean="0"/>
-              <a:t>4/7/2024</a:t>
-            </a:fld>
-            <a:endParaRPr lang="en-US"/>
-          </a:p>
-        </p:txBody>
-      </p:sp>
-      <p:sp>
-        <p:nvSpPr>
-          <p:cNvPr id="5" name="Footer Placeholder 4">
-            <a:extLst>
-              <a:ext uri="{FF2B5EF4-FFF2-40B4-BE49-F238E27FC236}">
-                <a16:creationId xmlns:a16="http://schemas.microsoft.com/office/drawing/2014/main" id="{5A88EEF8-A82C-3B0C-E6D7-560F1356E11E}"/>
-              </a:ext>
-            </a:extLst>
-          </p:cNvPr>
-          <p:cNvSpPr>
-            <a:spLocks noGrp="1"/>
-          </p:cNvSpPr>
-          <p:nvPr>
-            <p:ph type="ftr" sz="quarter" idx="11"/>
-          </p:nvPr>
-        </p:nvSpPr>
-        <p:spPr/>
-        <p:txBody>
-          <a:bodyPr/>
-          <a:lstStyle/>
-          <a:p>
-            <a:r>
-              <a:rPr lang="en-US"/>
-              <a:t>Sample Footer Text</a:t>
-            </a:r>
-          </a:p>
-        </p:txBody>
-      </p:sp>
-      <p:sp>
-        <p:nvSpPr>
-          <p:cNvPr id="6" name="Slide Number Placeholder 5">
-            <a:extLst>
-              <a:ext uri="{FF2B5EF4-FFF2-40B4-BE49-F238E27FC236}">
-                <a16:creationId xmlns:a16="http://schemas.microsoft.com/office/drawing/2014/main" id="{C5801AFA-5A80-6D70-0F32-4EE11B44367A}"/>
-              </a:ext>
-            </a:extLst>
-          </p:cNvPr>
-          <p:cNvSpPr>
-            <a:spLocks noGrp="1"/>
-          </p:cNvSpPr>
-          <p:nvPr>
-            <p:ph type="sldNum" sz="quarter" idx="12"/>
-          </p:nvPr>
-        </p:nvSpPr>
-        <p:spPr/>
-        <p:txBody>
-          <a:bodyPr/>
-          <a:lstStyle/>
-          <a:p>
-            <a:fld id="{C68AC1EC-23E2-4F0E-A5A4-674EC8DB954E}" type="slidenum">
-              <a:rPr lang="en-US" smtClean="0"/>
-              <a:t>6</a:t>
-            </a:fld>
-            <a:endParaRPr lang="en-US"/>
-          </a:p>
-        </p:txBody>
-      </p:sp>
-    </p:spTree>
-    <p:extLst>
-      <p:ext uri="{BB962C8B-B14F-4D97-AF65-F5344CB8AC3E}">
-        <p14:creationId xmlns:p14="http://schemas.microsoft.com/office/powerpoint/2010/main" val="1408127671"/>
-      </p:ext>
-    </p:extLst>
-  </p:cSld>
-  <p:clrMapOvr>
-    <a:masterClrMapping/>
-  </p:clrMapOvr>
-</p:sld>
-</file>
-
-<file path=ppt/slides/slide7.xml><?xml version="1.0" encoding="utf-8"?>
-<p:sld xmlns:a="http://schemas.openxmlformats.org/drawingml/2006/main" xmlns:r="http://schemas.openxmlformats.org/officeDocument/2006/relationships" xmlns:p="http://schemas.openxmlformats.org/presentationml/2006/main">
-  <p:cSld>
-    <p:spTree>
-      <p:nvGrpSpPr>
-        <p:cNvPr id="1" name=""/>
-        <p:cNvGrpSpPr/>
-        <p:nvPr/>
-      </p:nvGrpSpPr>
-      <p:grpSpPr>
-        <a:xfrm>
-          <a:off x="0" y="0"/>
-          <a:ext cx="0" cy="0"/>
-          <a:chOff x="0" y="0"/>
-          <a:chExt cx="0" cy="0"/>
-        </a:xfrm>
-      </p:grpSpPr>
-      <p:sp>
-        <p:nvSpPr>
-          <p:cNvPr id="2" name="Title 1">
-            <a:extLst>
-              <a:ext uri="{FF2B5EF4-FFF2-40B4-BE49-F238E27FC236}">
-                <a16:creationId xmlns:a16="http://schemas.microsoft.com/office/drawing/2014/main" id="{4D09613E-A138-28F7-4184-E8A5CED7A801}"/>
-              </a:ext>
-            </a:extLst>
-          </p:cNvPr>
-          <p:cNvSpPr>
-            <a:spLocks noGrp="1"/>
-          </p:cNvSpPr>
-          <p:nvPr>
-            <p:ph type="title"/>
-          </p:nvPr>
-        </p:nvSpPr>
-        <p:spPr/>
-        <p:txBody>
-          <a:bodyPr/>
-          <a:lstStyle/>
-          <a:p>
-            <a:r>
-              <a:rPr lang="en-GB" dirty="0"/>
-              <a:t>Table</a:t>
-            </a:r>
-          </a:p>
-        </p:txBody>
-      </p:sp>
-      <p:sp>
-        <p:nvSpPr>
-          <p:cNvPr id="3" name="Content Placeholder 2">
-            <a:extLst>
-              <a:ext uri="{FF2B5EF4-FFF2-40B4-BE49-F238E27FC236}">
-                <a16:creationId xmlns:a16="http://schemas.microsoft.com/office/drawing/2014/main" id="{09FF23EA-45F3-3ECE-2989-9945BD2161C7}"/>
-              </a:ext>
-            </a:extLst>
-          </p:cNvPr>
-          <p:cNvSpPr>
-            <a:spLocks noGrp="1"/>
-          </p:cNvSpPr>
-          <p:nvPr>
-            <p:ph idx="1"/>
-          </p:nvPr>
-        </p:nvSpPr>
-        <p:spPr/>
-        <p:txBody>
-          <a:bodyPr/>
-          <a:lstStyle/>
-          <a:p>
-            <a:pPr marL="0" indent="0">
-              <a:buNone/>
-            </a:pPr>
-            <a:r>
-              <a:rPr lang="en-GB" dirty="0"/>
-              <a:t>The table will have edges where the balls will collide with and will have holes which will be where the user will try to shoot the balls to.</a:t>
-            </a:r>
-          </a:p>
-          <a:p>
-            <a:pPr marL="0" indent="0">
-              <a:buNone/>
-            </a:pPr>
-            <a:r>
-              <a:rPr lang="en-GB" dirty="0"/>
-              <a:t>When the balls are pot in the holes, it will give a score of some number of </a:t>
-            </a:r>
-            <a:r>
-              <a:rPr lang="en-GB"/>
-              <a:t>points (100), </a:t>
-            </a:r>
-            <a:r>
-              <a:rPr lang="en-GB" dirty="0"/>
-              <a:t>which increases by more if there are multiple balls pot during one strike.</a:t>
-            </a:r>
-          </a:p>
-          <a:p>
-            <a:pPr marL="0" indent="0">
-              <a:buNone/>
-            </a:pPr>
-            <a:r>
-              <a:rPr lang="en-GB" dirty="0"/>
-              <a:t>This satisfies the scoring system aspect of the project.</a:t>
-            </a:r>
-          </a:p>
-        </p:txBody>
-      </p:sp>
-      <p:sp>
-        <p:nvSpPr>
-          <p:cNvPr id="4" name="Date Placeholder 3">
-            <a:extLst>
-              <a:ext uri="{FF2B5EF4-FFF2-40B4-BE49-F238E27FC236}">
-                <a16:creationId xmlns:a16="http://schemas.microsoft.com/office/drawing/2014/main" id="{EC6B3CCD-D49D-80AF-4890-74870C00AD94}"/>
-              </a:ext>
-            </a:extLst>
-          </p:cNvPr>
-          <p:cNvSpPr>
-            <a:spLocks noGrp="1"/>
-          </p:cNvSpPr>
-          <p:nvPr>
-            <p:ph type="dt" sz="half" idx="10"/>
-          </p:nvPr>
-        </p:nvSpPr>
-        <p:spPr/>
-        <p:txBody>
-          <a:bodyPr/>
-          <a:lstStyle/>
-          <a:p>
-            <a:fld id="{579F6069-8263-4296-913A-BC2234E8D32B}" type="datetime1">
-              <a:rPr lang="en-US" smtClean="0"/>
-              <a:t>4/7/2024</a:t>
-            </a:fld>
-            <a:endParaRPr lang="en-US"/>
-          </a:p>
-        </p:txBody>
-      </p:sp>
-      <p:sp>
-        <p:nvSpPr>
-          <p:cNvPr id="5" name="Footer Placeholder 4">
-            <a:extLst>
-              <a:ext uri="{FF2B5EF4-FFF2-40B4-BE49-F238E27FC236}">
-                <a16:creationId xmlns:a16="http://schemas.microsoft.com/office/drawing/2014/main" id="{2687D917-C507-AF39-E3E6-1E48D5681276}"/>
-              </a:ext>
-            </a:extLst>
-          </p:cNvPr>
-          <p:cNvSpPr>
-            <a:spLocks noGrp="1"/>
-          </p:cNvSpPr>
-          <p:nvPr>
-            <p:ph type="ftr" sz="quarter" idx="11"/>
-          </p:nvPr>
-        </p:nvSpPr>
-        <p:spPr/>
-        <p:txBody>
-          <a:bodyPr/>
-          <a:lstStyle/>
-          <a:p>
-            <a:r>
-              <a:rPr lang="en-US"/>
-              <a:t>Sample Footer Text</a:t>
-            </a:r>
-          </a:p>
-        </p:txBody>
-      </p:sp>
-      <p:sp>
-        <p:nvSpPr>
-          <p:cNvPr id="6" name="Slide Number Placeholder 5">
-            <a:extLst>
-              <a:ext uri="{FF2B5EF4-FFF2-40B4-BE49-F238E27FC236}">
-                <a16:creationId xmlns:a16="http://schemas.microsoft.com/office/drawing/2014/main" id="{FEF3750A-86EA-1D3F-03EC-31C502CEB29C}"/>
-              </a:ext>
-            </a:extLst>
-          </p:cNvPr>
-          <p:cNvSpPr>
-            <a:spLocks noGrp="1"/>
-          </p:cNvSpPr>
-          <p:nvPr>
-            <p:ph type="sldNum" sz="quarter" idx="12"/>
-          </p:nvPr>
-        </p:nvSpPr>
-        <p:spPr/>
-        <p:txBody>
-          <a:bodyPr/>
-          <a:lstStyle/>
-          <a:p>
-            <a:fld id="{C68AC1EC-23E2-4F0E-A5A4-674EC8DB954E}" type="slidenum">
-              <a:rPr lang="en-US" smtClean="0"/>
-              <a:t>7</a:t>
-            </a:fld>
-            <a:endParaRPr lang="en-US"/>
-          </a:p>
-        </p:txBody>
-      </p:sp>
-    </p:spTree>
-    <p:extLst>
-      <p:ext uri="{BB962C8B-B14F-4D97-AF65-F5344CB8AC3E}">
-        <p14:creationId xmlns:p14="http://schemas.microsoft.com/office/powerpoint/2010/main" val="3868104403"/>
-      </p:ext>
-    </p:extLst>
-  </p:cSld>
-  <p:clrMapOvr>
-    <a:masterClrMapping/>
-  </p:clrMapOvr>
-</p:sld>
-</file>
-
-<file path=ppt/slides/slide8.xml><?xml version="1.0" encoding="utf-8"?>
-<p:sld xmlns:a="http://schemas.openxmlformats.org/drawingml/2006/main" xmlns:r="http://schemas.openxmlformats.org/officeDocument/2006/relationships" xmlns:p="http://schemas.openxmlformats.org/presentationml/2006/main">
-  <p:cSld>
-    <p:spTree>
-      <p:nvGrpSpPr>
-        <p:cNvPr id="1" name=""/>
-        <p:cNvGrpSpPr/>
-        <p:nvPr/>
-      </p:nvGrpSpPr>
-      <p:grpSpPr>
-        <a:xfrm>
-          <a:off x="0" y="0"/>
-          <a:ext cx="0" cy="0"/>
-          <a:chOff x="0" y="0"/>
-          <a:chExt cx="0" cy="0"/>
-        </a:xfrm>
-      </p:grpSpPr>
-      <p:sp>
-        <p:nvSpPr>
-          <p:cNvPr id="2" name="Title 1">
-            <a:extLst>
-              <a:ext uri="{FF2B5EF4-FFF2-40B4-BE49-F238E27FC236}">
-                <a16:creationId xmlns:a16="http://schemas.microsoft.com/office/drawing/2014/main" id="{FDDC0601-2D80-803A-9C70-93342365EB5E}"/>
-              </a:ext>
-            </a:extLst>
-          </p:cNvPr>
-          <p:cNvSpPr>
-            <a:spLocks noGrp="1"/>
-          </p:cNvSpPr>
-          <p:nvPr>
-            <p:ph type="title"/>
-          </p:nvPr>
-        </p:nvSpPr>
-        <p:spPr/>
-        <p:txBody>
-          <a:bodyPr/>
-          <a:lstStyle/>
-          <a:p>
-            <a:r>
-              <a:rPr lang="en-GB" dirty="0"/>
-              <a:t>Simulations</a:t>
-            </a:r>
-          </a:p>
-        </p:txBody>
-      </p:sp>
-      <p:sp>
-        <p:nvSpPr>
-          <p:cNvPr id="3" name="Content Placeholder 2">
-            <a:extLst>
-              <a:ext uri="{FF2B5EF4-FFF2-40B4-BE49-F238E27FC236}">
-                <a16:creationId xmlns:a16="http://schemas.microsoft.com/office/drawing/2014/main" id="{0FE64198-E8DB-8971-8883-4F2BCE152B02}"/>
-              </a:ext>
-            </a:extLst>
-          </p:cNvPr>
-          <p:cNvSpPr>
-            <a:spLocks noGrp="1"/>
-          </p:cNvSpPr>
-          <p:nvPr>
-            <p:ph idx="1"/>
-          </p:nvPr>
-        </p:nvSpPr>
-        <p:spPr/>
-        <p:txBody>
-          <a:bodyPr/>
-          <a:lstStyle/>
-          <a:p>
-            <a:endParaRPr lang="en-GB"/>
-          </a:p>
-        </p:txBody>
-      </p:sp>
-      <p:sp>
-        <p:nvSpPr>
-          <p:cNvPr id="4" name="Date Placeholder 3">
-            <a:extLst>
-              <a:ext uri="{FF2B5EF4-FFF2-40B4-BE49-F238E27FC236}">
-                <a16:creationId xmlns:a16="http://schemas.microsoft.com/office/drawing/2014/main" id="{160ED018-7426-01CE-965A-913491A1CA32}"/>
-              </a:ext>
-            </a:extLst>
-          </p:cNvPr>
-          <p:cNvSpPr>
-            <a:spLocks noGrp="1"/>
-          </p:cNvSpPr>
-          <p:nvPr>
-            <p:ph type="dt" sz="half" idx="10"/>
-          </p:nvPr>
-        </p:nvSpPr>
-        <p:spPr/>
-        <p:txBody>
-          <a:bodyPr/>
-          <a:lstStyle/>
-          <a:p>
-            <a:fld id="{579F6069-8263-4296-913A-BC2234E8D32B}" type="datetime1">
-              <a:rPr lang="en-US" smtClean="0"/>
-              <a:t>4/7/2024</a:t>
-            </a:fld>
-            <a:endParaRPr lang="en-US"/>
-          </a:p>
-        </p:txBody>
-      </p:sp>
-      <p:sp>
-        <p:nvSpPr>
-          <p:cNvPr id="5" name="Footer Placeholder 4">
-            <a:extLst>
-              <a:ext uri="{FF2B5EF4-FFF2-40B4-BE49-F238E27FC236}">
-                <a16:creationId xmlns:a16="http://schemas.microsoft.com/office/drawing/2014/main" id="{C9D16757-5246-D010-7049-1090904A3270}"/>
-              </a:ext>
-            </a:extLst>
-          </p:cNvPr>
-          <p:cNvSpPr>
-            <a:spLocks noGrp="1"/>
-          </p:cNvSpPr>
-          <p:nvPr>
-            <p:ph type="ftr" sz="quarter" idx="11"/>
-          </p:nvPr>
-        </p:nvSpPr>
-        <p:spPr/>
-        <p:txBody>
-          <a:bodyPr/>
-          <a:lstStyle/>
-          <a:p>
-            <a:r>
-              <a:rPr lang="en-US"/>
-              <a:t>Sample Footer Text</a:t>
-            </a:r>
-          </a:p>
-        </p:txBody>
-      </p:sp>
-      <p:sp>
-        <p:nvSpPr>
-          <p:cNvPr id="6" name="Slide Number Placeholder 5">
-            <a:extLst>
-              <a:ext uri="{FF2B5EF4-FFF2-40B4-BE49-F238E27FC236}">
-                <a16:creationId xmlns:a16="http://schemas.microsoft.com/office/drawing/2014/main" id="{9342DFDD-1855-3489-1605-0C618987D604}"/>
-              </a:ext>
-            </a:extLst>
-          </p:cNvPr>
-          <p:cNvSpPr>
-            <a:spLocks noGrp="1"/>
-          </p:cNvSpPr>
-          <p:nvPr>
-            <p:ph type="sldNum" sz="quarter" idx="12"/>
-          </p:nvPr>
-        </p:nvSpPr>
-        <p:spPr/>
-        <p:txBody>
-          <a:bodyPr/>
-          <a:lstStyle/>
-          <a:p>
-            <a:fld id="{C68AC1EC-23E2-4F0E-A5A4-674EC8DB954E}" type="slidenum">
-              <a:rPr lang="en-US" smtClean="0"/>
-              <a:t>8</a:t>
-            </a:fld>
-            <a:endParaRPr lang="en-US"/>
-          </a:p>
-        </p:txBody>
-      </p:sp>
-    </p:spTree>
-    <p:extLst>
-      <p:ext uri="{BB962C8B-B14F-4D97-AF65-F5344CB8AC3E}">
-        <p14:creationId xmlns:p14="http://schemas.microsoft.com/office/powerpoint/2010/main" val="874203977"/>
-      </p:ext>
-    </p:extLst>
-  </p:cSld>
-  <p:clrMapOvr>
-    <a:masterClrMapping/>
-  </p:clrMapOvr>
-</p:sld>
-</file>
-
-<file path=ppt/slides/slide9.xml><?xml version="1.0" encoding="utf-8"?>
-<p:sld xmlns:a="http://schemas.openxmlformats.org/drawingml/2006/main" xmlns:r="http://schemas.openxmlformats.org/officeDocument/2006/relationships" xmlns:p="http://schemas.openxmlformats.org/presentationml/2006/main">
-  <p:cSld>
-    <p:spTree>
-      <p:nvGrpSpPr>
-        <p:cNvPr id="1" name=""/>
-        <p:cNvGrpSpPr/>
-        <p:nvPr/>
-      </p:nvGrpSpPr>
-      <p:grpSpPr>
-        <a:xfrm>
-          <a:off x="0" y="0"/>
-          <a:ext cx="0" cy="0"/>
-          <a:chOff x="0" y="0"/>
-          <a:chExt cx="0" cy="0"/>
-        </a:xfrm>
-      </p:grpSpPr>
-      <p:sp>
-        <p:nvSpPr>
-          <p:cNvPr id="2" name="Title 1">
-            <a:extLst>
-              <a:ext uri="{FF2B5EF4-FFF2-40B4-BE49-F238E27FC236}">
-                <a16:creationId xmlns:a16="http://schemas.microsoft.com/office/drawing/2014/main" id="{55693ABB-89DA-22A3-C27D-D96DAFE4844A}"/>
-              </a:ext>
-            </a:extLst>
-          </p:cNvPr>
-          <p:cNvSpPr>
-            <a:spLocks noGrp="1"/>
-          </p:cNvSpPr>
-          <p:nvPr>
-            <p:ph type="title"/>
-          </p:nvPr>
-        </p:nvSpPr>
-        <p:spPr/>
-        <p:txBody>
-          <a:bodyPr/>
-          <a:lstStyle/>
-          <a:p>
-            <a:r>
-              <a:rPr lang="en-GB"/>
-              <a:t>The END</a:t>
-            </a:r>
-            <a:endParaRPr lang="en-GB" dirty="0"/>
-          </a:p>
-        </p:txBody>
-      </p:sp>
-      <p:sp>
-        <p:nvSpPr>
-          <p:cNvPr id="3" name="Content Placeholder 2">
-            <a:extLst>
-              <a:ext uri="{FF2B5EF4-FFF2-40B4-BE49-F238E27FC236}">
-                <a16:creationId xmlns:a16="http://schemas.microsoft.com/office/drawing/2014/main" id="{6F6E8425-3188-7380-DB58-CF2EDD415609}"/>
-              </a:ext>
-            </a:extLst>
-          </p:cNvPr>
-          <p:cNvSpPr>
-            <a:spLocks noGrp="1"/>
-          </p:cNvSpPr>
-          <p:nvPr>
-            <p:ph idx="1"/>
-          </p:nvPr>
-        </p:nvSpPr>
-        <p:spPr/>
-        <p:txBody>
-          <a:bodyPr/>
-          <a:lstStyle/>
-          <a:p>
-            <a:endParaRPr lang="en-GB"/>
-          </a:p>
-        </p:txBody>
-      </p:sp>
-      <p:sp>
-        <p:nvSpPr>
-          <p:cNvPr id="4" name="Date Placeholder 3">
-            <a:extLst>
-              <a:ext uri="{FF2B5EF4-FFF2-40B4-BE49-F238E27FC236}">
-                <a16:creationId xmlns:a16="http://schemas.microsoft.com/office/drawing/2014/main" id="{4BC0F897-5776-9127-2D54-7AB84F9DF71C}"/>
-              </a:ext>
-            </a:extLst>
-          </p:cNvPr>
-          <p:cNvSpPr>
-            <a:spLocks noGrp="1"/>
-          </p:cNvSpPr>
-          <p:nvPr>
-            <p:ph type="dt" sz="half" idx="10"/>
-          </p:nvPr>
-        </p:nvSpPr>
-        <p:spPr/>
-        <p:txBody>
-          <a:bodyPr/>
-          <a:lstStyle/>
-          <a:p>
-            <a:fld id="{579F6069-8263-4296-913A-BC2234E8D32B}" type="datetime1">
-              <a:rPr lang="en-US" smtClean="0"/>
-              <a:t>4/7/2024</a:t>
-            </a:fld>
-            <a:endParaRPr lang="en-US"/>
-          </a:p>
-        </p:txBody>
-      </p:sp>
-      <p:sp>
-        <p:nvSpPr>
-          <p:cNvPr id="5" name="Footer Placeholder 4">
-            <a:extLst>
-              <a:ext uri="{FF2B5EF4-FFF2-40B4-BE49-F238E27FC236}">
-                <a16:creationId xmlns:a16="http://schemas.microsoft.com/office/drawing/2014/main" id="{558B3637-33A4-6A87-19E2-D34875DBB6EA}"/>
-              </a:ext>
-            </a:extLst>
-          </p:cNvPr>
-          <p:cNvSpPr>
-            <a:spLocks noGrp="1"/>
-          </p:cNvSpPr>
-          <p:nvPr>
-            <p:ph type="ftr" sz="quarter" idx="11"/>
-          </p:nvPr>
-        </p:nvSpPr>
-        <p:spPr/>
-        <p:txBody>
-          <a:bodyPr/>
-          <a:lstStyle/>
-          <a:p>
-            <a:r>
-              <a:rPr lang="en-US"/>
-              <a:t>Sample Footer Text</a:t>
-            </a:r>
-          </a:p>
-        </p:txBody>
-      </p:sp>
-      <p:sp>
-        <p:nvSpPr>
-          <p:cNvPr id="6" name="Slide Number Placeholder 5">
-            <a:extLst>
-              <a:ext uri="{FF2B5EF4-FFF2-40B4-BE49-F238E27FC236}">
-                <a16:creationId xmlns:a16="http://schemas.microsoft.com/office/drawing/2014/main" id="{7DDC83DF-772D-8ADC-9B91-3B59D95C2CEF}"/>
-              </a:ext>
-            </a:extLst>
-          </p:cNvPr>
-          <p:cNvSpPr>
-            <a:spLocks noGrp="1"/>
-          </p:cNvSpPr>
-          <p:nvPr>
-            <p:ph type="sldNum" sz="quarter" idx="12"/>
-          </p:nvPr>
-        </p:nvSpPr>
-        <p:spPr/>
-        <p:txBody>
-          <a:bodyPr/>
-          <a:lstStyle/>
-          <a:p>
-            <a:fld id="{C68AC1EC-23E2-4F0E-A5A4-674EC8DB954E}" type="slidenum">
-              <a:rPr lang="en-US" smtClean="0"/>
-              <a:t>9</a:t>
             </a:fld>
             <a:endParaRPr lang="en-US"/>
           </a:p>

--- a/Pool Sim Presentation.pptx
+++ b/Pool Sim Presentation.pptx
@@ -7,7 +7,13 @@
   <p:sldIdLst>
     <p:sldId id="256" r:id="rId2"/>
     <p:sldId id="257" r:id="rId3"/>
-    <p:sldId id="258" r:id="rId4"/>
+    <p:sldId id="259" r:id="rId4"/>
+    <p:sldId id="261" r:id="rId5"/>
+    <p:sldId id="263" r:id="rId6"/>
+    <p:sldId id="262" r:id="rId7"/>
+    <p:sldId id="264" r:id="rId8"/>
+    <p:sldId id="260" r:id="rId9"/>
+    <p:sldId id="258" r:id="rId10"/>
   </p:sldIdLst>
   <p:sldSz cx="12192000" cy="6858000"/>
   <p:notesSz cx="6858000" cy="9144000"/>
@@ -106,6 +112,11 @@
       </a:defRPr>
     </a:lvl9pPr>
   </p:defaultTextStyle>
+  <p:extLst>
+    <p:ext uri="{EFAFB233-063F-42B5-8137-9DF3F51BA10A}">
+      <p15:sldGuideLst xmlns:p15="http://schemas.microsoft.com/office/powerpoint/2012/main"/>
+    </p:ext>
+  </p:extLst>
 </p:presentation>
 </file>
 
@@ -260,7 +271,7 @@
           <a:p>
             <a:fld id="{1ECB5883-038C-4696-8E27-1811E470D6D4}" type="datetime1">
               <a:rPr lang="en-US" smtClean="0"/>
-              <a:t>2/26/2024</a:t>
+              <a:t>4/7/2024</a:t>
             </a:fld>
             <a:endParaRPr lang="en-US"/>
           </a:p>
@@ -461,7 +472,7 @@
           <a:p>
             <a:fld id="{61E8A6D4-154B-4E4D-9001-7A6C328D243E}" type="datetime1">
               <a:rPr lang="en-US" smtClean="0"/>
-              <a:t>2/26/2024</a:t>
+              <a:t>4/7/2024</a:t>
             </a:fld>
             <a:endParaRPr lang="en-US"/>
           </a:p>
@@ -672,7 +683,7 @@
           <a:p>
             <a:fld id="{EF880999-9BD6-4929-BDEC-B84E21C16701}" type="datetime1">
               <a:rPr lang="en-US" smtClean="0"/>
-              <a:t>2/26/2024</a:t>
+              <a:t>4/7/2024</a:t>
             </a:fld>
             <a:endParaRPr lang="en-US"/>
           </a:p>
@@ -873,7 +884,7 @@
           <a:p>
             <a:fld id="{579F6069-8263-4296-913A-BC2234E8D32B}" type="datetime1">
               <a:rPr lang="en-US" smtClean="0"/>
-              <a:t>2/26/2024</a:t>
+              <a:t>4/7/2024</a:t>
             </a:fld>
             <a:endParaRPr lang="en-US"/>
           </a:p>
@@ -1153,7 +1164,7 @@
           <a:p>
             <a:fld id="{BC9F5005-EC25-4FB9-B19B-2437F0B120D2}" type="datetime1">
               <a:rPr lang="en-US" smtClean="0"/>
-              <a:t>2/26/2024</a:t>
+              <a:t>4/7/2024</a:t>
             </a:fld>
             <a:endParaRPr lang="en-US"/>
           </a:p>
@@ -1421,7 +1432,7 @@
           <a:p>
             <a:fld id="{0B283B5C-2325-42FF-AF91-C1451D9D66CC}" type="datetime1">
               <a:rPr lang="en-US" smtClean="0"/>
-              <a:t>2/26/2024</a:t>
+              <a:t>4/7/2024</a:t>
             </a:fld>
             <a:endParaRPr lang="en-US"/>
           </a:p>
@@ -1840,7 +1851,7 @@
           <a:p>
             <a:fld id="{0F88DB08-3B01-46DD-99F2-F6F6334EA669}" type="datetime1">
               <a:rPr lang="en-US" smtClean="0"/>
-              <a:t>2/26/2024</a:t>
+              <a:t>4/7/2024</a:t>
             </a:fld>
             <a:endParaRPr lang="en-US"/>
           </a:p>
@@ -1984,7 +1995,7 @@
           <a:p>
             <a:fld id="{5892AC11-ACC3-4129-BBD7-C580BF1A4EE7}" type="datetime1">
               <a:rPr lang="en-US" smtClean="0"/>
-              <a:t>2/26/2024</a:t>
+              <a:t>4/7/2024</a:t>
             </a:fld>
             <a:endParaRPr lang="en-US"/>
           </a:p>
@@ -2100,7 +2111,7 @@
           <a:p>
             <a:fld id="{6D80F7F3-E406-44E2-93AF-674B3F1A2E51}" type="datetime1">
               <a:rPr lang="en-US" smtClean="0"/>
-              <a:t>2/26/2024</a:t>
+              <a:t>4/7/2024</a:t>
             </a:fld>
             <a:endParaRPr lang="en-US"/>
           </a:p>
@@ -2418,7 +2429,7 @@
           <a:p>
             <a:fld id="{2FB1DD93-7C9D-4E53-81F0-DDE57FEA7EDB}" type="datetime1">
               <a:rPr lang="en-US" smtClean="0"/>
-              <a:t>2/26/2024</a:t>
+              <a:t>4/7/2024</a:t>
             </a:fld>
             <a:endParaRPr lang="en-US"/>
           </a:p>
@@ -2711,7 +2722,7 @@
           <a:p>
             <a:fld id="{3DF7BC28-59DE-4F83-B4A1-497203279FAD}" type="datetime1">
               <a:rPr lang="en-US" smtClean="0"/>
-              <a:t>2/26/2024</a:t>
+              <a:t>4/7/2024</a:t>
             </a:fld>
             <a:endParaRPr lang="en-US"/>
           </a:p>
@@ -3011,7 +3022,7 @@
           <a:p>
             <a:fld id="{0BDC4764-F656-4735-9820-9886F8DF1D6A}" type="datetime1">
               <a:rPr lang="en-US" smtClean="0"/>
-              <a:t>2/26/2024</a:t>
+              <a:t>4/7/2024</a:t>
             </a:fld>
             <a:endParaRPr lang="en-US" dirty="0"/>
           </a:p>
@@ -4964,7 +4975,7 @@
           <p:cNvPr id="2" name="Title 1">
             <a:extLst>
               <a:ext uri="{FF2B5EF4-FFF2-40B4-BE49-F238E27FC236}">
-                <a16:creationId xmlns:a16="http://schemas.microsoft.com/office/drawing/2014/main" id="{55693ABB-89DA-22A3-C27D-D96DAFE4844A}"/>
+                <a16:creationId xmlns:a16="http://schemas.microsoft.com/office/drawing/2014/main" id="{60DF1365-7ACB-7876-D8B4-209FDDCFA6FA}"/>
               </a:ext>
             </a:extLst>
           </p:cNvPr>
@@ -4981,35 +4992,70 @@
           <a:lstStyle/>
           <a:p>
             <a:r>
-              <a:rPr lang="en-GB"/>
-              <a:t>The END</a:t>
-            </a:r>
+              <a:rPr lang="en-GB" dirty="0"/>
+              <a:t>Game Design</a:t>
+            </a:r>
+          </a:p>
+        </p:txBody>
+      </p:sp>
+      <p:sp>
+        <p:nvSpPr>
+          <p:cNvPr id="3" name="Content Placeholder 2">
+            <a:extLst>
+              <a:ext uri="{FF2B5EF4-FFF2-40B4-BE49-F238E27FC236}">
+                <a16:creationId xmlns:a16="http://schemas.microsoft.com/office/drawing/2014/main" id="{8BE01075-1F2E-94E7-C63F-F347F8FC045F}"/>
+              </a:ext>
+            </a:extLst>
+          </p:cNvPr>
+          <p:cNvSpPr>
+            <a:spLocks noGrp="1"/>
+          </p:cNvSpPr>
+          <p:nvPr>
+            <p:ph idx="1"/>
+          </p:nvPr>
+        </p:nvSpPr>
+        <p:spPr/>
+        <p:txBody>
+          <a:bodyPr/>
+          <a:lstStyle/>
+          <a:p>
+            <a:pPr marL="0" indent="0">
+              <a:buNone/>
+            </a:pPr>
+            <a:r>
+              <a:rPr lang="en-GB" dirty="0"/>
+              <a:t>There are 4 main areas of focus for the program, where all inputs and outputs will be in the rational number set (Q).</a:t>
+            </a:r>
+          </a:p>
+          <a:p>
+            <a:pPr marL="0" indent="0">
+              <a:buNone/>
+            </a:pPr>
             <a:endParaRPr lang="en-GB" dirty="0"/>
           </a:p>
-        </p:txBody>
-      </p:sp>
-      <p:sp>
-        <p:nvSpPr>
-          <p:cNvPr id="3" name="Content Placeholder 2">
-            <a:extLst>
-              <a:ext uri="{FF2B5EF4-FFF2-40B4-BE49-F238E27FC236}">
-                <a16:creationId xmlns:a16="http://schemas.microsoft.com/office/drawing/2014/main" id="{6F6E8425-3188-7380-DB58-CF2EDD415609}"/>
-              </a:ext>
-            </a:extLst>
-          </p:cNvPr>
-          <p:cNvSpPr>
-            <a:spLocks noGrp="1"/>
-          </p:cNvSpPr>
-          <p:nvPr>
-            <p:ph idx="1"/>
-          </p:nvPr>
-        </p:nvSpPr>
-        <p:spPr/>
-        <p:txBody>
-          <a:bodyPr/>
-          <a:lstStyle/>
-          <a:p>
-            <a:endParaRPr lang="en-GB"/>
+          <a:p>
+            <a:r>
+              <a:rPr lang="en-GB" dirty="0"/>
+              <a:t>Collision</a:t>
+            </a:r>
+          </a:p>
+          <a:p>
+            <a:r>
+              <a:rPr lang="en-GB" dirty="0"/>
+              <a:t>Ball</a:t>
+            </a:r>
+          </a:p>
+          <a:p>
+            <a:r>
+              <a:rPr lang="en-GB" dirty="0"/>
+              <a:t>Cue</a:t>
+            </a:r>
+          </a:p>
+          <a:p>
+            <a:r>
+              <a:rPr lang="en-GB" dirty="0"/>
+              <a:t>Table</a:t>
+            </a:r>
           </a:p>
         </p:txBody>
       </p:sp>
@@ -5018,7 +5064,7 @@
           <p:cNvPr id="4" name="Date Placeholder 3">
             <a:extLst>
               <a:ext uri="{FF2B5EF4-FFF2-40B4-BE49-F238E27FC236}">
-                <a16:creationId xmlns:a16="http://schemas.microsoft.com/office/drawing/2014/main" id="{4BC0F897-5776-9127-2D54-7AB84F9DF71C}"/>
+                <a16:creationId xmlns:a16="http://schemas.microsoft.com/office/drawing/2014/main" id="{34536149-D5D7-69D8-52AC-51366445F1F3}"/>
               </a:ext>
             </a:extLst>
           </p:cNvPr>
@@ -5036,7 +5082,7 @@
           <a:p>
             <a:fld id="{579F6069-8263-4296-913A-BC2234E8D32B}" type="datetime1">
               <a:rPr lang="en-US" smtClean="0"/>
-              <a:t>2/26/2024</a:t>
+              <a:t>4/7/2024</a:t>
             </a:fld>
             <a:endParaRPr lang="en-US"/>
           </a:p>
@@ -5047,7 +5093,7 @@
           <p:cNvPr id="5" name="Footer Placeholder 4">
             <a:extLst>
               <a:ext uri="{FF2B5EF4-FFF2-40B4-BE49-F238E27FC236}">
-                <a16:creationId xmlns:a16="http://schemas.microsoft.com/office/drawing/2014/main" id="{558B3637-33A4-6A87-19E2-D34875DBB6EA}"/>
+                <a16:creationId xmlns:a16="http://schemas.microsoft.com/office/drawing/2014/main" id="{C815F36D-D301-7560-BBA7-61FF9B66A785}"/>
               </a:ext>
             </a:extLst>
           </p:cNvPr>
@@ -5075,7 +5121,7 @@
           <p:cNvPr id="6" name="Slide Number Placeholder 5">
             <a:extLst>
               <a:ext uri="{FF2B5EF4-FFF2-40B4-BE49-F238E27FC236}">
-                <a16:creationId xmlns:a16="http://schemas.microsoft.com/office/drawing/2014/main" id="{7DDC83DF-772D-8ADC-9B91-3B59D95C2CEF}"/>
+                <a16:creationId xmlns:a16="http://schemas.microsoft.com/office/drawing/2014/main" id="{52FCDBE9-071C-CDA7-E211-DD6DEE9ADBF4}"/>
               </a:ext>
             </a:extLst>
           </p:cNvPr>
@@ -5094,6 +5140,1155 @@
             <a:fld id="{C68AC1EC-23E2-4F0E-A5A4-674EC8DB954E}" type="slidenum">
               <a:rPr lang="en-US" smtClean="0"/>
               <a:t>3</a:t>
+            </a:fld>
+            <a:endParaRPr lang="en-US"/>
+          </a:p>
+        </p:txBody>
+      </p:sp>
+    </p:spTree>
+    <p:extLst>
+      <p:ext uri="{BB962C8B-B14F-4D97-AF65-F5344CB8AC3E}">
+        <p14:creationId xmlns:p14="http://schemas.microsoft.com/office/powerpoint/2010/main" val="2449188719"/>
+      </p:ext>
+    </p:extLst>
+  </p:cSld>
+  <p:clrMapOvr>
+    <a:masterClrMapping/>
+  </p:clrMapOvr>
+</p:sld>
+</file>
+
+<file path=ppt/slides/slide4.xml><?xml version="1.0" encoding="utf-8"?>
+<p:sld xmlns:a="http://schemas.openxmlformats.org/drawingml/2006/main" xmlns:r="http://schemas.openxmlformats.org/officeDocument/2006/relationships" xmlns:p="http://schemas.openxmlformats.org/presentationml/2006/main">
+  <p:cSld>
+    <p:spTree>
+      <p:nvGrpSpPr>
+        <p:cNvPr id="1" name=""/>
+        <p:cNvGrpSpPr/>
+        <p:nvPr/>
+      </p:nvGrpSpPr>
+      <p:grpSpPr>
+        <a:xfrm>
+          <a:off x="0" y="0"/>
+          <a:ext cx="0" cy="0"/>
+          <a:chOff x="0" y="0"/>
+          <a:chExt cx="0" cy="0"/>
+        </a:xfrm>
+      </p:grpSpPr>
+      <p:sp>
+        <p:nvSpPr>
+          <p:cNvPr id="2" name="Title 1">
+            <a:extLst>
+              <a:ext uri="{FF2B5EF4-FFF2-40B4-BE49-F238E27FC236}">
+                <a16:creationId xmlns:a16="http://schemas.microsoft.com/office/drawing/2014/main" id="{900C0927-2565-89F3-6871-4980C2C1C321}"/>
+              </a:ext>
+            </a:extLst>
+          </p:cNvPr>
+          <p:cNvSpPr>
+            <a:spLocks noGrp="1"/>
+          </p:cNvSpPr>
+          <p:nvPr>
+            <p:ph type="title"/>
+          </p:nvPr>
+        </p:nvSpPr>
+        <p:spPr/>
+        <p:txBody>
+          <a:bodyPr/>
+          <a:lstStyle/>
+          <a:p>
+            <a:r>
+              <a:rPr lang="en-GB" dirty="0"/>
+              <a:t>Collision</a:t>
+            </a:r>
+          </a:p>
+        </p:txBody>
+      </p:sp>
+      <p:sp>
+        <p:nvSpPr>
+          <p:cNvPr id="3" name="Content Placeholder 2">
+            <a:extLst>
+              <a:ext uri="{FF2B5EF4-FFF2-40B4-BE49-F238E27FC236}">
+                <a16:creationId xmlns:a16="http://schemas.microsoft.com/office/drawing/2014/main" id="{0935BE85-1C99-C140-ECC9-2B31DECBC698}"/>
+              </a:ext>
+            </a:extLst>
+          </p:cNvPr>
+          <p:cNvSpPr>
+            <a:spLocks noGrp="1"/>
+          </p:cNvSpPr>
+          <p:nvPr>
+            <p:ph idx="1"/>
+          </p:nvPr>
+        </p:nvSpPr>
+        <p:spPr/>
+        <p:txBody>
+          <a:bodyPr/>
+          <a:lstStyle/>
+          <a:p>
+            <a:pPr marL="0" indent="0">
+              <a:buNone/>
+            </a:pPr>
+            <a:r>
+              <a:rPr lang="en-GB" dirty="0"/>
+              <a:t>This will be the biggest part where all the calculations will have to be made.</a:t>
+            </a:r>
+          </a:p>
+          <a:p>
+            <a:r>
+              <a:rPr lang="en-GB" dirty="0"/>
+              <a:t>It will detect every frame if there is any collisions.</a:t>
+            </a:r>
+          </a:p>
+          <a:p>
+            <a:r>
+              <a:rPr lang="en-GB" dirty="0"/>
+              <a:t>If there are, it will run a calculation for both balls and react accordingly with the correct angle and velocity.</a:t>
+            </a:r>
+          </a:p>
+          <a:p>
+            <a:r>
+              <a:rPr lang="en-GB" dirty="0"/>
+              <a:t>There also will be a collision for the pots at the table sides, so that the balls will disappear.</a:t>
+            </a:r>
+          </a:p>
+          <a:p>
+            <a:r>
+              <a:rPr lang="en-GB" dirty="0"/>
+              <a:t>The table edges will also bounce the balls away from them.</a:t>
+            </a:r>
+          </a:p>
+          <a:p>
+            <a:pPr marL="0" indent="0">
+              <a:buNone/>
+            </a:pPr>
+            <a:endParaRPr lang="en-GB" dirty="0"/>
+          </a:p>
+          <a:p>
+            <a:pPr marL="0" indent="0">
+              <a:buNone/>
+            </a:pPr>
+            <a:endParaRPr lang="en-GB" dirty="0"/>
+          </a:p>
+          <a:p>
+            <a:pPr marL="0" indent="0">
+              <a:buNone/>
+            </a:pPr>
+            <a:r>
+              <a:rPr lang="en-GB" dirty="0"/>
+              <a:t>This satisfies</a:t>
+            </a:r>
+          </a:p>
+        </p:txBody>
+      </p:sp>
+      <p:sp>
+        <p:nvSpPr>
+          <p:cNvPr id="4" name="Date Placeholder 3">
+            <a:extLst>
+              <a:ext uri="{FF2B5EF4-FFF2-40B4-BE49-F238E27FC236}">
+                <a16:creationId xmlns:a16="http://schemas.microsoft.com/office/drawing/2014/main" id="{FB00FFF5-ED76-1A1E-2824-C8992E9F04AF}"/>
+              </a:ext>
+            </a:extLst>
+          </p:cNvPr>
+          <p:cNvSpPr>
+            <a:spLocks noGrp="1"/>
+          </p:cNvSpPr>
+          <p:nvPr>
+            <p:ph type="dt" sz="half" idx="10"/>
+          </p:nvPr>
+        </p:nvSpPr>
+        <p:spPr/>
+        <p:txBody>
+          <a:bodyPr/>
+          <a:lstStyle/>
+          <a:p>
+            <a:fld id="{579F6069-8263-4296-913A-BC2234E8D32B}" type="datetime1">
+              <a:rPr lang="en-US" smtClean="0"/>
+              <a:t>4/7/2024</a:t>
+            </a:fld>
+            <a:endParaRPr lang="en-US"/>
+          </a:p>
+        </p:txBody>
+      </p:sp>
+      <p:sp>
+        <p:nvSpPr>
+          <p:cNvPr id="5" name="Footer Placeholder 4">
+            <a:extLst>
+              <a:ext uri="{FF2B5EF4-FFF2-40B4-BE49-F238E27FC236}">
+                <a16:creationId xmlns:a16="http://schemas.microsoft.com/office/drawing/2014/main" id="{7554F5E2-87BF-6A6A-A245-7F0B96BB48E4}"/>
+              </a:ext>
+            </a:extLst>
+          </p:cNvPr>
+          <p:cNvSpPr>
+            <a:spLocks noGrp="1"/>
+          </p:cNvSpPr>
+          <p:nvPr>
+            <p:ph type="ftr" sz="quarter" idx="11"/>
+          </p:nvPr>
+        </p:nvSpPr>
+        <p:spPr/>
+        <p:txBody>
+          <a:bodyPr/>
+          <a:lstStyle/>
+          <a:p>
+            <a:r>
+              <a:rPr lang="en-US"/>
+              <a:t>Sample Footer Text</a:t>
+            </a:r>
+          </a:p>
+        </p:txBody>
+      </p:sp>
+      <p:sp>
+        <p:nvSpPr>
+          <p:cNvPr id="6" name="Slide Number Placeholder 5">
+            <a:extLst>
+              <a:ext uri="{FF2B5EF4-FFF2-40B4-BE49-F238E27FC236}">
+                <a16:creationId xmlns:a16="http://schemas.microsoft.com/office/drawing/2014/main" id="{07628017-203E-9AF4-C864-6E4A4B750608}"/>
+              </a:ext>
+            </a:extLst>
+          </p:cNvPr>
+          <p:cNvSpPr>
+            <a:spLocks noGrp="1"/>
+          </p:cNvSpPr>
+          <p:nvPr>
+            <p:ph type="sldNum" sz="quarter" idx="12"/>
+          </p:nvPr>
+        </p:nvSpPr>
+        <p:spPr/>
+        <p:txBody>
+          <a:bodyPr/>
+          <a:lstStyle/>
+          <a:p>
+            <a:fld id="{C68AC1EC-23E2-4F0E-A5A4-674EC8DB954E}" type="slidenum">
+              <a:rPr lang="en-US" smtClean="0"/>
+              <a:t>4</a:t>
+            </a:fld>
+            <a:endParaRPr lang="en-US"/>
+          </a:p>
+        </p:txBody>
+      </p:sp>
+    </p:spTree>
+    <p:extLst>
+      <p:ext uri="{BB962C8B-B14F-4D97-AF65-F5344CB8AC3E}">
+        <p14:creationId xmlns:p14="http://schemas.microsoft.com/office/powerpoint/2010/main" val="597115573"/>
+      </p:ext>
+    </p:extLst>
+  </p:cSld>
+  <p:clrMapOvr>
+    <a:masterClrMapping/>
+  </p:clrMapOvr>
+</p:sld>
+</file>
+
+<file path=ppt/slides/slide5.xml><?xml version="1.0" encoding="utf-8"?>
+<p:sld xmlns:a="http://schemas.openxmlformats.org/drawingml/2006/main" xmlns:r="http://schemas.openxmlformats.org/officeDocument/2006/relationships" xmlns:p="http://schemas.openxmlformats.org/presentationml/2006/main">
+  <p:cSld>
+    <p:spTree>
+      <p:nvGrpSpPr>
+        <p:cNvPr id="1" name=""/>
+        <p:cNvGrpSpPr/>
+        <p:nvPr/>
+      </p:nvGrpSpPr>
+      <p:grpSpPr>
+        <a:xfrm>
+          <a:off x="0" y="0"/>
+          <a:ext cx="0" cy="0"/>
+          <a:chOff x="0" y="0"/>
+          <a:chExt cx="0" cy="0"/>
+        </a:xfrm>
+      </p:grpSpPr>
+      <p:sp>
+        <p:nvSpPr>
+          <p:cNvPr id="2" name="Title 1">
+            <a:extLst>
+              <a:ext uri="{FF2B5EF4-FFF2-40B4-BE49-F238E27FC236}">
+                <a16:creationId xmlns:a16="http://schemas.microsoft.com/office/drawing/2014/main" id="{723561D8-E5B5-1DFE-6D14-A8D8596CD207}"/>
+              </a:ext>
+            </a:extLst>
+          </p:cNvPr>
+          <p:cNvSpPr>
+            <a:spLocks noGrp="1"/>
+          </p:cNvSpPr>
+          <p:nvPr>
+            <p:ph type="title"/>
+          </p:nvPr>
+        </p:nvSpPr>
+        <p:spPr/>
+        <p:txBody>
+          <a:bodyPr/>
+          <a:lstStyle/>
+          <a:p>
+            <a:r>
+              <a:rPr lang="en-GB" dirty="0"/>
+              <a:t>Cue</a:t>
+            </a:r>
+          </a:p>
+        </p:txBody>
+      </p:sp>
+      <p:sp>
+        <p:nvSpPr>
+          <p:cNvPr id="3" name="Content Placeholder 2">
+            <a:extLst>
+              <a:ext uri="{FF2B5EF4-FFF2-40B4-BE49-F238E27FC236}">
+                <a16:creationId xmlns:a16="http://schemas.microsoft.com/office/drawing/2014/main" id="{0AD3DB26-DAAA-8AAC-2C7D-94B5027ADF1D}"/>
+              </a:ext>
+            </a:extLst>
+          </p:cNvPr>
+          <p:cNvSpPr>
+            <a:spLocks noGrp="1"/>
+          </p:cNvSpPr>
+          <p:nvPr>
+            <p:ph idx="1"/>
+          </p:nvPr>
+        </p:nvSpPr>
+        <p:spPr/>
+        <p:txBody>
+          <a:bodyPr/>
+          <a:lstStyle/>
+          <a:p>
+            <a:pPr marL="0" indent="0">
+              <a:buNone/>
+            </a:pPr>
+            <a:r>
+              <a:rPr lang="en-GB" dirty="0"/>
+              <a:t>The cue will appear on the white ball, to show the user where they are going to shoot the ball and how much power they will give the ball.</a:t>
+            </a:r>
+          </a:p>
+          <a:p>
+            <a:pPr marL="0" indent="0">
+              <a:buNone/>
+            </a:pPr>
+            <a:r>
+              <a:rPr lang="en-GB" dirty="0"/>
+              <a:t>It will appear only when all the balls are stationary.</a:t>
+            </a:r>
+          </a:p>
+          <a:p>
+            <a:pPr marL="0" indent="0">
+              <a:buNone/>
+            </a:pPr>
+            <a:r>
+              <a:rPr lang="en-GB" dirty="0"/>
+              <a:t>It will go up and down a power scale.</a:t>
+            </a:r>
+          </a:p>
+          <a:p>
+            <a:pPr marL="0" indent="0">
+              <a:buNone/>
+            </a:pPr>
+            <a:endParaRPr lang="en-GB" dirty="0"/>
+          </a:p>
+        </p:txBody>
+      </p:sp>
+      <p:sp>
+        <p:nvSpPr>
+          <p:cNvPr id="4" name="Date Placeholder 3">
+            <a:extLst>
+              <a:ext uri="{FF2B5EF4-FFF2-40B4-BE49-F238E27FC236}">
+                <a16:creationId xmlns:a16="http://schemas.microsoft.com/office/drawing/2014/main" id="{C148BC92-108E-5448-2696-8B8EBCEA9538}"/>
+              </a:ext>
+            </a:extLst>
+          </p:cNvPr>
+          <p:cNvSpPr>
+            <a:spLocks noGrp="1"/>
+          </p:cNvSpPr>
+          <p:nvPr>
+            <p:ph type="dt" sz="half" idx="10"/>
+          </p:nvPr>
+        </p:nvSpPr>
+        <p:spPr/>
+        <p:txBody>
+          <a:bodyPr/>
+          <a:lstStyle/>
+          <a:p>
+            <a:fld id="{579F6069-8263-4296-913A-BC2234E8D32B}" type="datetime1">
+              <a:rPr lang="en-US" smtClean="0"/>
+              <a:t>4/7/2024</a:t>
+            </a:fld>
+            <a:endParaRPr lang="en-US"/>
+          </a:p>
+        </p:txBody>
+      </p:sp>
+      <p:sp>
+        <p:nvSpPr>
+          <p:cNvPr id="5" name="Footer Placeholder 4">
+            <a:extLst>
+              <a:ext uri="{FF2B5EF4-FFF2-40B4-BE49-F238E27FC236}">
+                <a16:creationId xmlns:a16="http://schemas.microsoft.com/office/drawing/2014/main" id="{3C80ED2C-2B1B-3E24-759C-DD9C45016286}"/>
+              </a:ext>
+            </a:extLst>
+          </p:cNvPr>
+          <p:cNvSpPr>
+            <a:spLocks noGrp="1"/>
+          </p:cNvSpPr>
+          <p:nvPr>
+            <p:ph type="ftr" sz="quarter" idx="11"/>
+          </p:nvPr>
+        </p:nvSpPr>
+        <p:spPr/>
+        <p:txBody>
+          <a:bodyPr/>
+          <a:lstStyle/>
+          <a:p>
+            <a:r>
+              <a:rPr lang="en-US"/>
+              <a:t>Sample Footer Text</a:t>
+            </a:r>
+          </a:p>
+        </p:txBody>
+      </p:sp>
+      <p:sp>
+        <p:nvSpPr>
+          <p:cNvPr id="6" name="Slide Number Placeholder 5">
+            <a:extLst>
+              <a:ext uri="{FF2B5EF4-FFF2-40B4-BE49-F238E27FC236}">
+                <a16:creationId xmlns:a16="http://schemas.microsoft.com/office/drawing/2014/main" id="{70CE0CD9-4AFB-310C-3851-56596EE32FB8}"/>
+              </a:ext>
+            </a:extLst>
+          </p:cNvPr>
+          <p:cNvSpPr>
+            <a:spLocks noGrp="1"/>
+          </p:cNvSpPr>
+          <p:nvPr>
+            <p:ph type="sldNum" sz="quarter" idx="12"/>
+          </p:nvPr>
+        </p:nvSpPr>
+        <p:spPr/>
+        <p:txBody>
+          <a:bodyPr/>
+          <a:lstStyle/>
+          <a:p>
+            <a:fld id="{C68AC1EC-23E2-4F0E-A5A4-674EC8DB954E}" type="slidenum">
+              <a:rPr lang="en-US" smtClean="0"/>
+              <a:t>5</a:t>
+            </a:fld>
+            <a:endParaRPr lang="en-US"/>
+          </a:p>
+        </p:txBody>
+      </p:sp>
+    </p:spTree>
+    <p:extLst>
+      <p:ext uri="{BB962C8B-B14F-4D97-AF65-F5344CB8AC3E}">
+        <p14:creationId xmlns:p14="http://schemas.microsoft.com/office/powerpoint/2010/main" val="3195431204"/>
+      </p:ext>
+    </p:extLst>
+  </p:cSld>
+  <p:clrMapOvr>
+    <a:masterClrMapping/>
+  </p:clrMapOvr>
+</p:sld>
+</file>
+
+<file path=ppt/slides/slide6.xml><?xml version="1.0" encoding="utf-8"?>
+<p:sld xmlns:a="http://schemas.openxmlformats.org/drawingml/2006/main" xmlns:r="http://schemas.openxmlformats.org/officeDocument/2006/relationships" xmlns:p="http://schemas.openxmlformats.org/presentationml/2006/main">
+  <p:cSld>
+    <p:spTree>
+      <p:nvGrpSpPr>
+        <p:cNvPr id="1" name=""/>
+        <p:cNvGrpSpPr/>
+        <p:nvPr/>
+      </p:nvGrpSpPr>
+      <p:grpSpPr>
+        <a:xfrm>
+          <a:off x="0" y="0"/>
+          <a:ext cx="0" cy="0"/>
+          <a:chOff x="0" y="0"/>
+          <a:chExt cx="0" cy="0"/>
+        </a:xfrm>
+      </p:grpSpPr>
+      <p:sp>
+        <p:nvSpPr>
+          <p:cNvPr id="2" name="Title 1">
+            <a:extLst>
+              <a:ext uri="{FF2B5EF4-FFF2-40B4-BE49-F238E27FC236}">
+                <a16:creationId xmlns:a16="http://schemas.microsoft.com/office/drawing/2014/main" id="{FD4A4F00-F09C-8E7F-D149-8C86CCA35041}"/>
+              </a:ext>
+            </a:extLst>
+          </p:cNvPr>
+          <p:cNvSpPr>
+            <a:spLocks noGrp="1"/>
+          </p:cNvSpPr>
+          <p:nvPr>
+            <p:ph type="title"/>
+          </p:nvPr>
+        </p:nvSpPr>
+        <p:spPr/>
+        <p:txBody>
+          <a:bodyPr/>
+          <a:lstStyle/>
+          <a:p>
+            <a:r>
+              <a:rPr lang="en-GB" dirty="0"/>
+              <a:t>Ball</a:t>
+            </a:r>
+          </a:p>
+        </p:txBody>
+      </p:sp>
+      <p:sp>
+        <p:nvSpPr>
+          <p:cNvPr id="3" name="Content Placeholder 2">
+            <a:extLst>
+              <a:ext uri="{FF2B5EF4-FFF2-40B4-BE49-F238E27FC236}">
+                <a16:creationId xmlns:a16="http://schemas.microsoft.com/office/drawing/2014/main" id="{F66CD598-A77A-686F-1B72-95ACBC2FA65D}"/>
+              </a:ext>
+            </a:extLst>
+          </p:cNvPr>
+          <p:cNvSpPr>
+            <a:spLocks noGrp="1"/>
+          </p:cNvSpPr>
+          <p:nvPr>
+            <p:ph idx="1"/>
+          </p:nvPr>
+        </p:nvSpPr>
+        <p:spPr/>
+        <p:txBody>
+          <a:bodyPr/>
+          <a:lstStyle/>
+          <a:p>
+            <a:pPr marL="0" indent="0">
+              <a:buNone/>
+            </a:pPr>
+            <a:r>
+              <a:rPr lang="en-GB" dirty="0"/>
+              <a:t>The ball class will store functions to help with movement (such as coordinates and velocity), but will also have a function to change the velocity and direction of the ball as well.</a:t>
+            </a:r>
+          </a:p>
+          <a:p>
+            <a:pPr marL="0" indent="0">
+              <a:buNone/>
+            </a:pPr>
+            <a:endParaRPr lang="en-GB" dirty="0"/>
+          </a:p>
+          <a:p>
+            <a:pPr marL="0" indent="0">
+              <a:buNone/>
+            </a:pPr>
+            <a:r>
+              <a:rPr lang="en-GB" dirty="0"/>
+              <a:t>This satisfies the projectile motion aspect of the project.</a:t>
+            </a:r>
+          </a:p>
+        </p:txBody>
+      </p:sp>
+      <p:sp>
+        <p:nvSpPr>
+          <p:cNvPr id="4" name="Date Placeholder 3">
+            <a:extLst>
+              <a:ext uri="{FF2B5EF4-FFF2-40B4-BE49-F238E27FC236}">
+                <a16:creationId xmlns:a16="http://schemas.microsoft.com/office/drawing/2014/main" id="{C818F8C1-B031-FB90-B984-8DB463FDE3D1}"/>
+              </a:ext>
+            </a:extLst>
+          </p:cNvPr>
+          <p:cNvSpPr>
+            <a:spLocks noGrp="1"/>
+          </p:cNvSpPr>
+          <p:nvPr>
+            <p:ph type="dt" sz="half" idx="10"/>
+          </p:nvPr>
+        </p:nvSpPr>
+        <p:spPr/>
+        <p:txBody>
+          <a:bodyPr/>
+          <a:lstStyle/>
+          <a:p>
+            <a:fld id="{579F6069-8263-4296-913A-BC2234E8D32B}" type="datetime1">
+              <a:rPr lang="en-US" smtClean="0"/>
+              <a:t>4/7/2024</a:t>
+            </a:fld>
+            <a:endParaRPr lang="en-US"/>
+          </a:p>
+        </p:txBody>
+      </p:sp>
+      <p:sp>
+        <p:nvSpPr>
+          <p:cNvPr id="5" name="Footer Placeholder 4">
+            <a:extLst>
+              <a:ext uri="{FF2B5EF4-FFF2-40B4-BE49-F238E27FC236}">
+                <a16:creationId xmlns:a16="http://schemas.microsoft.com/office/drawing/2014/main" id="{5A88EEF8-A82C-3B0C-E6D7-560F1356E11E}"/>
+              </a:ext>
+            </a:extLst>
+          </p:cNvPr>
+          <p:cNvSpPr>
+            <a:spLocks noGrp="1"/>
+          </p:cNvSpPr>
+          <p:nvPr>
+            <p:ph type="ftr" sz="quarter" idx="11"/>
+          </p:nvPr>
+        </p:nvSpPr>
+        <p:spPr/>
+        <p:txBody>
+          <a:bodyPr/>
+          <a:lstStyle/>
+          <a:p>
+            <a:r>
+              <a:rPr lang="en-US"/>
+              <a:t>Sample Footer Text</a:t>
+            </a:r>
+          </a:p>
+        </p:txBody>
+      </p:sp>
+      <p:sp>
+        <p:nvSpPr>
+          <p:cNvPr id="6" name="Slide Number Placeholder 5">
+            <a:extLst>
+              <a:ext uri="{FF2B5EF4-FFF2-40B4-BE49-F238E27FC236}">
+                <a16:creationId xmlns:a16="http://schemas.microsoft.com/office/drawing/2014/main" id="{C5801AFA-5A80-6D70-0F32-4EE11B44367A}"/>
+              </a:ext>
+            </a:extLst>
+          </p:cNvPr>
+          <p:cNvSpPr>
+            <a:spLocks noGrp="1"/>
+          </p:cNvSpPr>
+          <p:nvPr>
+            <p:ph type="sldNum" sz="quarter" idx="12"/>
+          </p:nvPr>
+        </p:nvSpPr>
+        <p:spPr/>
+        <p:txBody>
+          <a:bodyPr/>
+          <a:lstStyle/>
+          <a:p>
+            <a:fld id="{C68AC1EC-23E2-4F0E-A5A4-674EC8DB954E}" type="slidenum">
+              <a:rPr lang="en-US" smtClean="0"/>
+              <a:t>6</a:t>
+            </a:fld>
+            <a:endParaRPr lang="en-US"/>
+          </a:p>
+        </p:txBody>
+      </p:sp>
+    </p:spTree>
+    <p:extLst>
+      <p:ext uri="{BB962C8B-B14F-4D97-AF65-F5344CB8AC3E}">
+        <p14:creationId xmlns:p14="http://schemas.microsoft.com/office/powerpoint/2010/main" val="1408127671"/>
+      </p:ext>
+    </p:extLst>
+  </p:cSld>
+  <p:clrMapOvr>
+    <a:masterClrMapping/>
+  </p:clrMapOvr>
+</p:sld>
+</file>
+
+<file path=ppt/slides/slide7.xml><?xml version="1.0" encoding="utf-8"?>
+<p:sld xmlns:a="http://schemas.openxmlformats.org/drawingml/2006/main" xmlns:r="http://schemas.openxmlformats.org/officeDocument/2006/relationships" xmlns:p="http://schemas.openxmlformats.org/presentationml/2006/main">
+  <p:cSld>
+    <p:spTree>
+      <p:nvGrpSpPr>
+        <p:cNvPr id="1" name=""/>
+        <p:cNvGrpSpPr/>
+        <p:nvPr/>
+      </p:nvGrpSpPr>
+      <p:grpSpPr>
+        <a:xfrm>
+          <a:off x="0" y="0"/>
+          <a:ext cx="0" cy="0"/>
+          <a:chOff x="0" y="0"/>
+          <a:chExt cx="0" cy="0"/>
+        </a:xfrm>
+      </p:grpSpPr>
+      <p:sp>
+        <p:nvSpPr>
+          <p:cNvPr id="2" name="Title 1">
+            <a:extLst>
+              <a:ext uri="{FF2B5EF4-FFF2-40B4-BE49-F238E27FC236}">
+                <a16:creationId xmlns:a16="http://schemas.microsoft.com/office/drawing/2014/main" id="{4D09613E-A138-28F7-4184-E8A5CED7A801}"/>
+              </a:ext>
+            </a:extLst>
+          </p:cNvPr>
+          <p:cNvSpPr>
+            <a:spLocks noGrp="1"/>
+          </p:cNvSpPr>
+          <p:nvPr>
+            <p:ph type="title"/>
+          </p:nvPr>
+        </p:nvSpPr>
+        <p:spPr/>
+        <p:txBody>
+          <a:bodyPr/>
+          <a:lstStyle/>
+          <a:p>
+            <a:r>
+              <a:rPr lang="en-GB" dirty="0"/>
+              <a:t>Table</a:t>
+            </a:r>
+          </a:p>
+        </p:txBody>
+      </p:sp>
+      <p:sp>
+        <p:nvSpPr>
+          <p:cNvPr id="3" name="Content Placeholder 2">
+            <a:extLst>
+              <a:ext uri="{FF2B5EF4-FFF2-40B4-BE49-F238E27FC236}">
+                <a16:creationId xmlns:a16="http://schemas.microsoft.com/office/drawing/2014/main" id="{09FF23EA-45F3-3ECE-2989-9945BD2161C7}"/>
+              </a:ext>
+            </a:extLst>
+          </p:cNvPr>
+          <p:cNvSpPr>
+            <a:spLocks noGrp="1"/>
+          </p:cNvSpPr>
+          <p:nvPr>
+            <p:ph idx="1"/>
+          </p:nvPr>
+        </p:nvSpPr>
+        <p:spPr/>
+        <p:txBody>
+          <a:bodyPr/>
+          <a:lstStyle/>
+          <a:p>
+            <a:pPr marL="0" indent="0">
+              <a:buNone/>
+            </a:pPr>
+            <a:r>
+              <a:rPr lang="en-GB" dirty="0"/>
+              <a:t>The table will have edges where the balls will collide with and will have holes which will be where the user will try to shoot the balls to.</a:t>
+            </a:r>
+          </a:p>
+          <a:p>
+            <a:pPr marL="0" indent="0">
+              <a:buNone/>
+            </a:pPr>
+            <a:r>
+              <a:rPr lang="en-GB" dirty="0"/>
+              <a:t>When the balls are pot in the holes, it will give a score of some number of </a:t>
+            </a:r>
+            <a:r>
+              <a:rPr lang="en-GB"/>
+              <a:t>points (100), </a:t>
+            </a:r>
+            <a:r>
+              <a:rPr lang="en-GB" dirty="0"/>
+              <a:t>which increases by more if there are multiple balls pot during one strike.</a:t>
+            </a:r>
+          </a:p>
+          <a:p>
+            <a:pPr marL="0" indent="0">
+              <a:buNone/>
+            </a:pPr>
+            <a:r>
+              <a:rPr lang="en-GB" dirty="0"/>
+              <a:t>This satisfies the scoring system aspect of the project.</a:t>
+            </a:r>
+          </a:p>
+        </p:txBody>
+      </p:sp>
+      <p:sp>
+        <p:nvSpPr>
+          <p:cNvPr id="4" name="Date Placeholder 3">
+            <a:extLst>
+              <a:ext uri="{FF2B5EF4-FFF2-40B4-BE49-F238E27FC236}">
+                <a16:creationId xmlns:a16="http://schemas.microsoft.com/office/drawing/2014/main" id="{EC6B3CCD-D49D-80AF-4890-74870C00AD94}"/>
+              </a:ext>
+            </a:extLst>
+          </p:cNvPr>
+          <p:cNvSpPr>
+            <a:spLocks noGrp="1"/>
+          </p:cNvSpPr>
+          <p:nvPr>
+            <p:ph type="dt" sz="half" idx="10"/>
+          </p:nvPr>
+        </p:nvSpPr>
+        <p:spPr/>
+        <p:txBody>
+          <a:bodyPr/>
+          <a:lstStyle/>
+          <a:p>
+            <a:fld id="{579F6069-8263-4296-913A-BC2234E8D32B}" type="datetime1">
+              <a:rPr lang="en-US" smtClean="0"/>
+              <a:t>4/7/2024</a:t>
+            </a:fld>
+            <a:endParaRPr lang="en-US"/>
+          </a:p>
+        </p:txBody>
+      </p:sp>
+      <p:sp>
+        <p:nvSpPr>
+          <p:cNvPr id="5" name="Footer Placeholder 4">
+            <a:extLst>
+              <a:ext uri="{FF2B5EF4-FFF2-40B4-BE49-F238E27FC236}">
+                <a16:creationId xmlns:a16="http://schemas.microsoft.com/office/drawing/2014/main" id="{2687D917-C507-AF39-E3E6-1E48D5681276}"/>
+              </a:ext>
+            </a:extLst>
+          </p:cNvPr>
+          <p:cNvSpPr>
+            <a:spLocks noGrp="1"/>
+          </p:cNvSpPr>
+          <p:nvPr>
+            <p:ph type="ftr" sz="quarter" idx="11"/>
+          </p:nvPr>
+        </p:nvSpPr>
+        <p:spPr/>
+        <p:txBody>
+          <a:bodyPr/>
+          <a:lstStyle/>
+          <a:p>
+            <a:r>
+              <a:rPr lang="en-US"/>
+              <a:t>Sample Footer Text</a:t>
+            </a:r>
+          </a:p>
+        </p:txBody>
+      </p:sp>
+      <p:sp>
+        <p:nvSpPr>
+          <p:cNvPr id="6" name="Slide Number Placeholder 5">
+            <a:extLst>
+              <a:ext uri="{FF2B5EF4-FFF2-40B4-BE49-F238E27FC236}">
+                <a16:creationId xmlns:a16="http://schemas.microsoft.com/office/drawing/2014/main" id="{FEF3750A-86EA-1D3F-03EC-31C502CEB29C}"/>
+              </a:ext>
+            </a:extLst>
+          </p:cNvPr>
+          <p:cNvSpPr>
+            <a:spLocks noGrp="1"/>
+          </p:cNvSpPr>
+          <p:nvPr>
+            <p:ph type="sldNum" sz="quarter" idx="12"/>
+          </p:nvPr>
+        </p:nvSpPr>
+        <p:spPr/>
+        <p:txBody>
+          <a:bodyPr/>
+          <a:lstStyle/>
+          <a:p>
+            <a:fld id="{C68AC1EC-23E2-4F0E-A5A4-674EC8DB954E}" type="slidenum">
+              <a:rPr lang="en-US" smtClean="0"/>
+              <a:t>7</a:t>
+            </a:fld>
+            <a:endParaRPr lang="en-US"/>
+          </a:p>
+        </p:txBody>
+      </p:sp>
+    </p:spTree>
+    <p:extLst>
+      <p:ext uri="{BB962C8B-B14F-4D97-AF65-F5344CB8AC3E}">
+        <p14:creationId xmlns:p14="http://schemas.microsoft.com/office/powerpoint/2010/main" val="3868104403"/>
+      </p:ext>
+    </p:extLst>
+  </p:cSld>
+  <p:clrMapOvr>
+    <a:masterClrMapping/>
+  </p:clrMapOvr>
+</p:sld>
+</file>
+
+<file path=ppt/slides/slide8.xml><?xml version="1.0" encoding="utf-8"?>
+<p:sld xmlns:a="http://schemas.openxmlformats.org/drawingml/2006/main" xmlns:r="http://schemas.openxmlformats.org/officeDocument/2006/relationships" xmlns:p="http://schemas.openxmlformats.org/presentationml/2006/main">
+  <p:cSld>
+    <p:spTree>
+      <p:nvGrpSpPr>
+        <p:cNvPr id="1" name=""/>
+        <p:cNvGrpSpPr/>
+        <p:nvPr/>
+      </p:nvGrpSpPr>
+      <p:grpSpPr>
+        <a:xfrm>
+          <a:off x="0" y="0"/>
+          <a:ext cx="0" cy="0"/>
+          <a:chOff x="0" y="0"/>
+          <a:chExt cx="0" cy="0"/>
+        </a:xfrm>
+      </p:grpSpPr>
+      <p:sp>
+        <p:nvSpPr>
+          <p:cNvPr id="2" name="Title 1">
+            <a:extLst>
+              <a:ext uri="{FF2B5EF4-FFF2-40B4-BE49-F238E27FC236}">
+                <a16:creationId xmlns:a16="http://schemas.microsoft.com/office/drawing/2014/main" id="{FDDC0601-2D80-803A-9C70-93342365EB5E}"/>
+              </a:ext>
+            </a:extLst>
+          </p:cNvPr>
+          <p:cNvSpPr>
+            <a:spLocks noGrp="1"/>
+          </p:cNvSpPr>
+          <p:nvPr>
+            <p:ph type="title"/>
+          </p:nvPr>
+        </p:nvSpPr>
+        <p:spPr/>
+        <p:txBody>
+          <a:bodyPr/>
+          <a:lstStyle/>
+          <a:p>
+            <a:r>
+              <a:rPr lang="en-GB" dirty="0"/>
+              <a:t>Simulations</a:t>
+            </a:r>
+          </a:p>
+        </p:txBody>
+      </p:sp>
+      <p:sp>
+        <p:nvSpPr>
+          <p:cNvPr id="3" name="Content Placeholder 2">
+            <a:extLst>
+              <a:ext uri="{FF2B5EF4-FFF2-40B4-BE49-F238E27FC236}">
+                <a16:creationId xmlns:a16="http://schemas.microsoft.com/office/drawing/2014/main" id="{0FE64198-E8DB-8971-8883-4F2BCE152B02}"/>
+              </a:ext>
+            </a:extLst>
+          </p:cNvPr>
+          <p:cNvSpPr>
+            <a:spLocks noGrp="1"/>
+          </p:cNvSpPr>
+          <p:nvPr>
+            <p:ph idx="1"/>
+          </p:nvPr>
+        </p:nvSpPr>
+        <p:spPr/>
+        <p:txBody>
+          <a:bodyPr/>
+          <a:lstStyle/>
+          <a:p>
+            <a:endParaRPr lang="en-GB"/>
+          </a:p>
+        </p:txBody>
+      </p:sp>
+      <p:sp>
+        <p:nvSpPr>
+          <p:cNvPr id="4" name="Date Placeholder 3">
+            <a:extLst>
+              <a:ext uri="{FF2B5EF4-FFF2-40B4-BE49-F238E27FC236}">
+                <a16:creationId xmlns:a16="http://schemas.microsoft.com/office/drawing/2014/main" id="{160ED018-7426-01CE-965A-913491A1CA32}"/>
+              </a:ext>
+            </a:extLst>
+          </p:cNvPr>
+          <p:cNvSpPr>
+            <a:spLocks noGrp="1"/>
+          </p:cNvSpPr>
+          <p:nvPr>
+            <p:ph type="dt" sz="half" idx="10"/>
+          </p:nvPr>
+        </p:nvSpPr>
+        <p:spPr/>
+        <p:txBody>
+          <a:bodyPr/>
+          <a:lstStyle/>
+          <a:p>
+            <a:fld id="{579F6069-8263-4296-913A-BC2234E8D32B}" type="datetime1">
+              <a:rPr lang="en-US" smtClean="0"/>
+              <a:t>4/7/2024</a:t>
+            </a:fld>
+            <a:endParaRPr lang="en-US"/>
+          </a:p>
+        </p:txBody>
+      </p:sp>
+      <p:sp>
+        <p:nvSpPr>
+          <p:cNvPr id="5" name="Footer Placeholder 4">
+            <a:extLst>
+              <a:ext uri="{FF2B5EF4-FFF2-40B4-BE49-F238E27FC236}">
+                <a16:creationId xmlns:a16="http://schemas.microsoft.com/office/drawing/2014/main" id="{C9D16757-5246-D010-7049-1090904A3270}"/>
+              </a:ext>
+            </a:extLst>
+          </p:cNvPr>
+          <p:cNvSpPr>
+            <a:spLocks noGrp="1"/>
+          </p:cNvSpPr>
+          <p:nvPr>
+            <p:ph type="ftr" sz="quarter" idx="11"/>
+          </p:nvPr>
+        </p:nvSpPr>
+        <p:spPr/>
+        <p:txBody>
+          <a:bodyPr/>
+          <a:lstStyle/>
+          <a:p>
+            <a:r>
+              <a:rPr lang="en-US"/>
+              <a:t>Sample Footer Text</a:t>
+            </a:r>
+          </a:p>
+        </p:txBody>
+      </p:sp>
+      <p:sp>
+        <p:nvSpPr>
+          <p:cNvPr id="6" name="Slide Number Placeholder 5">
+            <a:extLst>
+              <a:ext uri="{FF2B5EF4-FFF2-40B4-BE49-F238E27FC236}">
+                <a16:creationId xmlns:a16="http://schemas.microsoft.com/office/drawing/2014/main" id="{9342DFDD-1855-3489-1605-0C618987D604}"/>
+              </a:ext>
+            </a:extLst>
+          </p:cNvPr>
+          <p:cNvSpPr>
+            <a:spLocks noGrp="1"/>
+          </p:cNvSpPr>
+          <p:nvPr>
+            <p:ph type="sldNum" sz="quarter" idx="12"/>
+          </p:nvPr>
+        </p:nvSpPr>
+        <p:spPr/>
+        <p:txBody>
+          <a:bodyPr/>
+          <a:lstStyle/>
+          <a:p>
+            <a:fld id="{C68AC1EC-23E2-4F0E-A5A4-674EC8DB954E}" type="slidenum">
+              <a:rPr lang="en-US" smtClean="0"/>
+              <a:t>8</a:t>
+            </a:fld>
+            <a:endParaRPr lang="en-US"/>
+          </a:p>
+        </p:txBody>
+      </p:sp>
+    </p:spTree>
+    <p:extLst>
+      <p:ext uri="{BB962C8B-B14F-4D97-AF65-F5344CB8AC3E}">
+        <p14:creationId xmlns:p14="http://schemas.microsoft.com/office/powerpoint/2010/main" val="874203977"/>
+      </p:ext>
+    </p:extLst>
+  </p:cSld>
+  <p:clrMapOvr>
+    <a:masterClrMapping/>
+  </p:clrMapOvr>
+</p:sld>
+</file>
+
+<file path=ppt/slides/slide9.xml><?xml version="1.0" encoding="utf-8"?>
+<p:sld xmlns:a="http://schemas.openxmlformats.org/drawingml/2006/main" xmlns:r="http://schemas.openxmlformats.org/officeDocument/2006/relationships" xmlns:p="http://schemas.openxmlformats.org/presentationml/2006/main">
+  <p:cSld>
+    <p:spTree>
+      <p:nvGrpSpPr>
+        <p:cNvPr id="1" name=""/>
+        <p:cNvGrpSpPr/>
+        <p:nvPr/>
+      </p:nvGrpSpPr>
+      <p:grpSpPr>
+        <a:xfrm>
+          <a:off x="0" y="0"/>
+          <a:ext cx="0" cy="0"/>
+          <a:chOff x="0" y="0"/>
+          <a:chExt cx="0" cy="0"/>
+        </a:xfrm>
+      </p:grpSpPr>
+      <p:sp>
+        <p:nvSpPr>
+          <p:cNvPr id="2" name="Title 1">
+            <a:extLst>
+              <a:ext uri="{FF2B5EF4-FFF2-40B4-BE49-F238E27FC236}">
+                <a16:creationId xmlns:a16="http://schemas.microsoft.com/office/drawing/2014/main" id="{55693ABB-89DA-22A3-C27D-D96DAFE4844A}"/>
+              </a:ext>
+            </a:extLst>
+          </p:cNvPr>
+          <p:cNvSpPr>
+            <a:spLocks noGrp="1"/>
+          </p:cNvSpPr>
+          <p:nvPr>
+            <p:ph type="title"/>
+          </p:nvPr>
+        </p:nvSpPr>
+        <p:spPr/>
+        <p:txBody>
+          <a:bodyPr/>
+          <a:lstStyle/>
+          <a:p>
+            <a:r>
+              <a:rPr lang="en-GB"/>
+              <a:t>The END</a:t>
+            </a:r>
+            <a:endParaRPr lang="en-GB" dirty="0"/>
+          </a:p>
+        </p:txBody>
+      </p:sp>
+      <p:sp>
+        <p:nvSpPr>
+          <p:cNvPr id="3" name="Content Placeholder 2">
+            <a:extLst>
+              <a:ext uri="{FF2B5EF4-FFF2-40B4-BE49-F238E27FC236}">
+                <a16:creationId xmlns:a16="http://schemas.microsoft.com/office/drawing/2014/main" id="{6F6E8425-3188-7380-DB58-CF2EDD415609}"/>
+              </a:ext>
+            </a:extLst>
+          </p:cNvPr>
+          <p:cNvSpPr>
+            <a:spLocks noGrp="1"/>
+          </p:cNvSpPr>
+          <p:nvPr>
+            <p:ph idx="1"/>
+          </p:nvPr>
+        </p:nvSpPr>
+        <p:spPr/>
+        <p:txBody>
+          <a:bodyPr/>
+          <a:lstStyle/>
+          <a:p>
+            <a:endParaRPr lang="en-GB"/>
+          </a:p>
+        </p:txBody>
+      </p:sp>
+      <p:sp>
+        <p:nvSpPr>
+          <p:cNvPr id="4" name="Date Placeholder 3">
+            <a:extLst>
+              <a:ext uri="{FF2B5EF4-FFF2-40B4-BE49-F238E27FC236}">
+                <a16:creationId xmlns:a16="http://schemas.microsoft.com/office/drawing/2014/main" id="{4BC0F897-5776-9127-2D54-7AB84F9DF71C}"/>
+              </a:ext>
+            </a:extLst>
+          </p:cNvPr>
+          <p:cNvSpPr>
+            <a:spLocks noGrp="1"/>
+          </p:cNvSpPr>
+          <p:nvPr>
+            <p:ph type="dt" sz="half" idx="10"/>
+          </p:nvPr>
+        </p:nvSpPr>
+        <p:spPr/>
+        <p:txBody>
+          <a:bodyPr/>
+          <a:lstStyle/>
+          <a:p>
+            <a:fld id="{579F6069-8263-4296-913A-BC2234E8D32B}" type="datetime1">
+              <a:rPr lang="en-US" smtClean="0"/>
+              <a:t>4/7/2024</a:t>
+            </a:fld>
+            <a:endParaRPr lang="en-US"/>
+          </a:p>
+        </p:txBody>
+      </p:sp>
+      <p:sp>
+        <p:nvSpPr>
+          <p:cNvPr id="5" name="Footer Placeholder 4">
+            <a:extLst>
+              <a:ext uri="{FF2B5EF4-FFF2-40B4-BE49-F238E27FC236}">
+                <a16:creationId xmlns:a16="http://schemas.microsoft.com/office/drawing/2014/main" id="{558B3637-33A4-6A87-19E2-D34875DBB6EA}"/>
+              </a:ext>
+            </a:extLst>
+          </p:cNvPr>
+          <p:cNvSpPr>
+            <a:spLocks noGrp="1"/>
+          </p:cNvSpPr>
+          <p:nvPr>
+            <p:ph type="ftr" sz="quarter" idx="11"/>
+          </p:nvPr>
+        </p:nvSpPr>
+        <p:spPr/>
+        <p:txBody>
+          <a:bodyPr/>
+          <a:lstStyle/>
+          <a:p>
+            <a:r>
+              <a:rPr lang="en-US"/>
+              <a:t>Sample Footer Text</a:t>
+            </a:r>
+          </a:p>
+        </p:txBody>
+      </p:sp>
+      <p:sp>
+        <p:nvSpPr>
+          <p:cNvPr id="6" name="Slide Number Placeholder 5">
+            <a:extLst>
+              <a:ext uri="{FF2B5EF4-FFF2-40B4-BE49-F238E27FC236}">
+                <a16:creationId xmlns:a16="http://schemas.microsoft.com/office/drawing/2014/main" id="{7DDC83DF-772D-8ADC-9B91-3B59D95C2CEF}"/>
+              </a:ext>
+            </a:extLst>
+          </p:cNvPr>
+          <p:cNvSpPr>
+            <a:spLocks noGrp="1"/>
+          </p:cNvSpPr>
+          <p:nvPr>
+            <p:ph type="sldNum" sz="quarter" idx="12"/>
+          </p:nvPr>
+        </p:nvSpPr>
+        <p:spPr/>
+        <p:txBody>
+          <a:bodyPr/>
+          <a:lstStyle/>
+          <a:p>
+            <a:fld id="{C68AC1EC-23E2-4F0E-A5A4-674EC8DB954E}" type="slidenum">
+              <a:rPr lang="en-US" smtClean="0"/>
+              <a:t>9</a:t>
             </a:fld>
             <a:endParaRPr lang="en-US"/>
           </a:p>
